--- a/dev/lightning.pptx
+++ b/dev/lightning.pptx
@@ -8,8 +8,34 @@
     <p:sldId id="256" r:id="rId2"/>
     <p:sldId id="257" r:id="rId3"/>
     <p:sldId id="259" r:id="rId4"/>
-    <p:sldId id="260" r:id="rId5"/>
-    <p:sldId id="261" r:id="rId6"/>
+    <p:sldId id="261" r:id="rId5"/>
+    <p:sldId id="260" r:id="rId6"/>
+    <p:sldId id="262" r:id="rId7"/>
+    <p:sldId id="263" r:id="rId8"/>
+    <p:sldId id="264" r:id="rId9"/>
+    <p:sldId id="265" r:id="rId10"/>
+    <p:sldId id="268" r:id="rId11"/>
+    <p:sldId id="267" r:id="rId12"/>
+    <p:sldId id="269" r:id="rId13"/>
+    <p:sldId id="270" r:id="rId14"/>
+    <p:sldId id="271" r:id="rId15"/>
+    <p:sldId id="272" r:id="rId16"/>
+    <p:sldId id="277" r:id="rId17"/>
+    <p:sldId id="274" r:id="rId18"/>
+    <p:sldId id="278" r:id="rId19"/>
+    <p:sldId id="279" r:id="rId20"/>
+    <p:sldId id="280" r:id="rId21"/>
+    <p:sldId id="281" r:id="rId22"/>
+    <p:sldId id="282" r:id="rId23"/>
+    <p:sldId id="285" r:id="rId24"/>
+    <p:sldId id="284" r:id="rId25"/>
+    <p:sldId id="286" r:id="rId26"/>
+    <p:sldId id="287" r:id="rId27"/>
+    <p:sldId id="292" r:id="rId28"/>
+    <p:sldId id="290" r:id="rId29"/>
+    <p:sldId id="291" r:id="rId30"/>
+    <p:sldId id="293" r:id="rId31"/>
+    <p:sldId id="294" r:id="rId32"/>
   </p:sldIdLst>
   <p:sldSz cx="9144000" cy="6858000" type="screen4x3"/>
   <p:notesSz cx="6858000" cy="9144000"/>
@@ -3945,6 +3971,1386 @@
 </p:sld>
 </file>
 
+<file path=ppt/slides/slide10.xml><?xml version="1.0" encoding="utf-8"?>
+<p:sld xmlns:a="http://schemas.openxmlformats.org/drawingml/2006/main" xmlns:r="http://schemas.openxmlformats.org/officeDocument/2006/relationships" xmlns:p="http://schemas.openxmlformats.org/presentationml/2006/main">
+  <p:cSld>
+    <p:spTree>
+      <p:nvGrpSpPr>
+        <p:cNvPr id="1" name=""/>
+        <p:cNvGrpSpPr/>
+        <p:nvPr/>
+      </p:nvGrpSpPr>
+      <p:grpSpPr>
+        <a:xfrm>
+          <a:off x="0" y="0"/>
+          <a:ext cx="0" cy="0"/>
+          <a:chOff x="0" y="0"/>
+          <a:chExt cx="0" cy="0"/>
+        </a:xfrm>
+      </p:grpSpPr>
+      <p:sp>
+        <p:nvSpPr>
+          <p:cNvPr id="2" name="Title 1"/>
+          <p:cNvSpPr>
+            <a:spLocks noGrp="1"/>
+          </p:cNvSpPr>
+          <p:nvPr>
+            <p:ph type="title"/>
+          </p:nvPr>
+        </p:nvSpPr>
+        <p:spPr>
+          <a:xfrm>
+            <a:off x="533400" y="457200"/>
+            <a:ext cx="8229600" cy="1143000"/>
+          </a:xfrm>
+        </p:spPr>
+        <p:txBody>
+          <a:bodyPr/>
+          <a:lstStyle/>
+          <a:p>
+            <a:r>
+              <a:rPr lang="en-US" dirty="0" smtClean="0">
+                <a:latin typeface="Adobe Fan Heiti Std B" pitchFamily="34" charset="-128"/>
+                <a:ea typeface="Adobe Fan Heiti Std B" pitchFamily="34" charset="-128"/>
+              </a:rPr>
+              <a:t>So... Identify?</a:t>
+            </a:r>
+            <a:endParaRPr lang="en-US" dirty="0">
+              <a:latin typeface="Adobe Fan Heiti Std B" pitchFamily="34" charset="-128"/>
+              <a:ea typeface="Adobe Fan Heiti Std B" pitchFamily="34" charset="-128"/>
+            </a:endParaRPr>
+          </a:p>
+        </p:txBody>
+      </p:sp>
+      <p:sp>
+        <p:nvSpPr>
+          <p:cNvPr id="3" name="Content Placeholder 2"/>
+          <p:cNvSpPr>
+            <a:spLocks noGrp="1"/>
+          </p:cNvSpPr>
+          <p:nvPr>
+            <p:ph idx="1"/>
+          </p:nvPr>
+        </p:nvSpPr>
+        <p:spPr/>
+        <p:txBody>
+          <a:bodyPr/>
+          <a:lstStyle/>
+          <a:p>
+            <a:r>
+              <a:rPr lang="en-US" dirty="0" smtClean="0">
+                <a:latin typeface="Open Sans" panose="020B0606030504020204" pitchFamily="34" charset="0"/>
+                <a:ea typeface="Open Sans" panose="020B0606030504020204" pitchFamily="34" charset="0"/>
+                <a:cs typeface="Open Sans" panose="020B0606030504020204" pitchFamily="34" charset="0"/>
+              </a:rPr>
+              <a:t>Pass in geometry of query in a given extent</a:t>
+            </a:r>
+          </a:p>
+          <a:p>
+            <a:r>
+              <a:rPr lang="en-US" dirty="0" smtClean="0">
+                <a:latin typeface="Open Sans" panose="020B0606030504020204" pitchFamily="34" charset="0"/>
+                <a:ea typeface="Open Sans" panose="020B0606030504020204" pitchFamily="34" charset="0"/>
+                <a:cs typeface="Open Sans" panose="020B0606030504020204" pitchFamily="34" charset="0"/>
+              </a:rPr>
+              <a:t>What happens with a point on a raster?</a:t>
+            </a:r>
+          </a:p>
+          <a:p>
+            <a:pPr lvl="1"/>
+            <a:r>
+              <a:rPr lang="en-US" dirty="0" smtClean="0">
+                <a:latin typeface="Open Sans" panose="020B0606030504020204" pitchFamily="34" charset="0"/>
+                <a:ea typeface="Open Sans" panose="020B0606030504020204" pitchFamily="34" charset="0"/>
+                <a:cs typeface="Open Sans" panose="020B0606030504020204" pitchFamily="34" charset="0"/>
+              </a:rPr>
+              <a:t>Single pixel value</a:t>
+            </a:r>
+          </a:p>
+          <a:p>
+            <a:r>
+              <a:rPr lang="en-US" dirty="0">
+                <a:latin typeface="Open Sans" panose="020B0606030504020204" pitchFamily="34" charset="0"/>
+                <a:ea typeface="Open Sans" panose="020B0606030504020204" pitchFamily="34" charset="0"/>
+                <a:cs typeface="Open Sans" panose="020B0606030504020204" pitchFamily="34" charset="0"/>
+              </a:rPr>
+              <a:t>What happens with a </a:t>
+            </a:r>
+            <a:r>
+              <a:rPr lang="en-US" i="1" dirty="0" smtClean="0">
+                <a:latin typeface="Open Sans" panose="020B0606030504020204" pitchFamily="34" charset="0"/>
+                <a:ea typeface="Open Sans" panose="020B0606030504020204" pitchFamily="34" charset="0"/>
+                <a:cs typeface="Open Sans" panose="020B0606030504020204" pitchFamily="34" charset="0"/>
+              </a:rPr>
+              <a:t>multipoint</a:t>
+            </a:r>
+            <a:r>
+              <a:rPr lang="en-US" dirty="0" smtClean="0">
+                <a:latin typeface="Open Sans" panose="020B0606030504020204" pitchFamily="34" charset="0"/>
+                <a:ea typeface="Open Sans" panose="020B0606030504020204" pitchFamily="34" charset="0"/>
+                <a:cs typeface="Open Sans" panose="020B0606030504020204" pitchFamily="34" charset="0"/>
+              </a:rPr>
+              <a:t> </a:t>
+            </a:r>
+            <a:r>
+              <a:rPr lang="en-US" dirty="0">
+                <a:latin typeface="Open Sans" panose="020B0606030504020204" pitchFamily="34" charset="0"/>
+                <a:ea typeface="Open Sans" panose="020B0606030504020204" pitchFamily="34" charset="0"/>
+                <a:cs typeface="Open Sans" panose="020B0606030504020204" pitchFamily="34" charset="0"/>
+              </a:rPr>
+              <a:t>on a raster</a:t>
+            </a:r>
+            <a:r>
+              <a:rPr lang="en-US" dirty="0" smtClean="0">
+                <a:latin typeface="Open Sans" panose="020B0606030504020204" pitchFamily="34" charset="0"/>
+                <a:ea typeface="Open Sans" panose="020B0606030504020204" pitchFamily="34" charset="0"/>
+                <a:cs typeface="Open Sans" panose="020B0606030504020204" pitchFamily="34" charset="0"/>
+              </a:rPr>
+              <a:t>?</a:t>
+            </a:r>
+          </a:p>
+          <a:p>
+            <a:pPr lvl="1"/>
+            <a:r>
+              <a:rPr lang="en-US" b="1" dirty="0" smtClean="0">
+                <a:latin typeface="Open Sans" panose="020B0606030504020204" pitchFamily="34" charset="0"/>
+                <a:ea typeface="Open Sans" panose="020B0606030504020204" pitchFamily="34" charset="0"/>
+                <a:cs typeface="Open Sans" panose="020B0606030504020204" pitchFamily="34" charset="0"/>
+              </a:rPr>
+              <a:t>Single pixel value</a:t>
+            </a:r>
+          </a:p>
+          <a:p>
+            <a:r>
+              <a:rPr lang="en-US" dirty="0" smtClean="0">
+                <a:latin typeface="Open Sans" panose="020B0606030504020204" pitchFamily="34" charset="0"/>
+                <a:ea typeface="Open Sans" panose="020B0606030504020204" pitchFamily="34" charset="0"/>
+                <a:cs typeface="Open Sans" panose="020B0606030504020204" pitchFamily="34" charset="0"/>
+              </a:rPr>
+              <a:t>We need an identify for every point</a:t>
+            </a:r>
+            <a:endParaRPr lang="en-US" dirty="0">
+              <a:latin typeface="Open Sans" panose="020B0606030504020204" pitchFamily="34" charset="0"/>
+              <a:ea typeface="Open Sans" panose="020B0606030504020204" pitchFamily="34" charset="0"/>
+              <a:cs typeface="Open Sans" panose="020B0606030504020204" pitchFamily="34" charset="0"/>
+            </a:endParaRPr>
+          </a:p>
+        </p:txBody>
+      </p:sp>
+    </p:spTree>
+    <p:extLst>
+      <p:ext uri="{BB962C8B-B14F-4D97-AF65-F5344CB8AC3E}">
+        <p14:creationId xmlns:p14="http://schemas.microsoft.com/office/powerpoint/2010/main" val="1406313556"/>
+      </p:ext>
+    </p:extLst>
+  </p:cSld>
+  <p:clrMapOvr>
+    <a:masterClrMapping/>
+  </p:clrMapOvr>
+  <p:timing>
+    <p:tnLst>
+      <p:par>
+        <p:cTn id="1" dur="indefinite" restart="never" nodeType="tmRoot"/>
+      </p:par>
+    </p:tnLst>
+  </p:timing>
+</p:sld>
+</file>
+
+<file path=ppt/slides/slide11.xml><?xml version="1.0" encoding="utf-8"?>
+<p:sld xmlns:a="http://schemas.openxmlformats.org/drawingml/2006/main" xmlns:r="http://schemas.openxmlformats.org/officeDocument/2006/relationships" xmlns:p="http://schemas.openxmlformats.org/presentationml/2006/main">
+  <p:cSld>
+    <p:spTree>
+      <p:nvGrpSpPr>
+        <p:cNvPr id="1" name=""/>
+        <p:cNvGrpSpPr/>
+        <p:nvPr/>
+      </p:nvGrpSpPr>
+      <p:grpSpPr>
+        <a:xfrm>
+          <a:off x="0" y="0"/>
+          <a:ext cx="0" cy="0"/>
+          <a:chOff x="0" y="0"/>
+          <a:chExt cx="0" cy="0"/>
+        </a:xfrm>
+      </p:grpSpPr>
+      <p:sp>
+        <p:nvSpPr>
+          <p:cNvPr id="2" name="Title 1"/>
+          <p:cNvSpPr>
+            <a:spLocks noGrp="1"/>
+          </p:cNvSpPr>
+          <p:nvPr>
+            <p:ph type="title"/>
+          </p:nvPr>
+        </p:nvSpPr>
+        <p:spPr>
+          <a:xfrm>
+            <a:off x="533400" y="457200"/>
+            <a:ext cx="8229600" cy="1143000"/>
+          </a:xfrm>
+        </p:spPr>
+        <p:txBody>
+          <a:bodyPr/>
+          <a:lstStyle/>
+          <a:p>
+            <a:r>
+              <a:rPr lang="en-US" dirty="0" smtClean="0">
+                <a:latin typeface="Adobe Fan Heiti Std B" pitchFamily="34" charset="-128"/>
+                <a:ea typeface="Adobe Fan Heiti Std B" pitchFamily="34" charset="-128"/>
+              </a:rPr>
+              <a:t>This works!</a:t>
+            </a:r>
+            <a:endParaRPr lang="en-US" dirty="0">
+              <a:latin typeface="Adobe Fan Heiti Std B" pitchFamily="34" charset="-128"/>
+              <a:ea typeface="Adobe Fan Heiti Std B" pitchFamily="34" charset="-128"/>
+            </a:endParaRPr>
+          </a:p>
+        </p:txBody>
+      </p:sp>
+      <p:sp>
+        <p:nvSpPr>
+          <p:cNvPr id="3" name="Content Placeholder 2"/>
+          <p:cNvSpPr>
+            <a:spLocks noGrp="1"/>
+          </p:cNvSpPr>
+          <p:nvPr>
+            <p:ph idx="1"/>
+          </p:nvPr>
+        </p:nvSpPr>
+        <p:spPr/>
+        <p:txBody>
+          <a:bodyPr/>
+          <a:lstStyle/>
+          <a:p>
+            <a:pPr marL="0" indent="0">
+              <a:buNone/>
+            </a:pPr>
+            <a:endParaRPr lang="en-US" b="1" dirty="0">
+              <a:latin typeface="Open Sans" panose="020B0606030504020204" pitchFamily="34" charset="0"/>
+              <a:ea typeface="Open Sans" panose="020B0606030504020204" pitchFamily="34" charset="0"/>
+              <a:cs typeface="Open Sans" panose="020B0606030504020204" pitchFamily="34" charset="0"/>
+            </a:endParaRPr>
+          </a:p>
+        </p:txBody>
+      </p:sp>
+    </p:spTree>
+    <p:extLst>
+      <p:ext uri="{BB962C8B-B14F-4D97-AF65-F5344CB8AC3E}">
+        <p14:creationId xmlns:p14="http://schemas.microsoft.com/office/powerpoint/2010/main" val="2214313585"/>
+      </p:ext>
+    </p:extLst>
+  </p:cSld>
+  <p:clrMapOvr>
+    <a:masterClrMapping/>
+  </p:clrMapOvr>
+  <p:timing>
+    <p:tnLst>
+      <p:par>
+        <p:cTn id="1" dur="indefinite" restart="never" nodeType="tmRoot"/>
+      </p:par>
+    </p:tnLst>
+  </p:timing>
+</p:sld>
+</file>
+
+<file path=ppt/slides/slide12.xml><?xml version="1.0" encoding="utf-8"?>
+<p:sld xmlns:a="http://schemas.openxmlformats.org/drawingml/2006/main" xmlns:r="http://schemas.openxmlformats.org/officeDocument/2006/relationships" xmlns:p="http://schemas.openxmlformats.org/presentationml/2006/main">
+  <p:cSld>
+    <p:spTree>
+      <p:nvGrpSpPr>
+        <p:cNvPr id="1" name=""/>
+        <p:cNvGrpSpPr/>
+        <p:nvPr/>
+      </p:nvGrpSpPr>
+      <p:grpSpPr>
+        <a:xfrm>
+          <a:off x="0" y="0"/>
+          <a:ext cx="0" cy="0"/>
+          <a:chOff x="0" y="0"/>
+          <a:chExt cx="0" cy="0"/>
+        </a:xfrm>
+      </p:grpSpPr>
+      <p:sp>
+        <p:nvSpPr>
+          <p:cNvPr id="2" name="Title 1"/>
+          <p:cNvSpPr>
+            <a:spLocks noGrp="1"/>
+          </p:cNvSpPr>
+          <p:nvPr>
+            <p:ph type="title"/>
+          </p:nvPr>
+        </p:nvSpPr>
+        <p:spPr>
+          <a:xfrm>
+            <a:off x="533400" y="457200"/>
+            <a:ext cx="8229600" cy="1143000"/>
+          </a:xfrm>
+        </p:spPr>
+        <p:txBody>
+          <a:bodyPr/>
+          <a:lstStyle/>
+          <a:p>
+            <a:r>
+              <a:rPr lang="en-US" dirty="0" smtClean="0">
+                <a:latin typeface="Adobe Fan Heiti Std B" pitchFamily="34" charset="-128"/>
+                <a:ea typeface="Adobe Fan Heiti Std B" pitchFamily="34" charset="-128"/>
+              </a:rPr>
+              <a:t>This works!</a:t>
+            </a:r>
+            <a:endParaRPr lang="en-US" dirty="0">
+              <a:latin typeface="Adobe Fan Heiti Std B" pitchFamily="34" charset="-128"/>
+              <a:ea typeface="Adobe Fan Heiti Std B" pitchFamily="34" charset="-128"/>
+            </a:endParaRPr>
+          </a:p>
+        </p:txBody>
+      </p:sp>
+      <p:sp>
+        <p:nvSpPr>
+          <p:cNvPr id="3" name="Content Placeholder 2"/>
+          <p:cNvSpPr>
+            <a:spLocks noGrp="1"/>
+          </p:cNvSpPr>
+          <p:nvPr>
+            <p:ph idx="1"/>
+          </p:nvPr>
+        </p:nvSpPr>
+        <p:spPr/>
+        <p:txBody>
+          <a:bodyPr/>
+          <a:lstStyle/>
+          <a:p>
+            <a:pPr marL="0" indent="0">
+              <a:buNone/>
+            </a:pPr>
+            <a:r>
+              <a:rPr lang="en-US" b="1" dirty="0" smtClean="0">
+                <a:latin typeface="Open Sans" panose="020B0606030504020204" pitchFamily="34" charset="0"/>
+                <a:ea typeface="Open Sans" panose="020B0606030504020204" pitchFamily="34" charset="0"/>
+                <a:cs typeface="Open Sans" panose="020B0606030504020204" pitchFamily="34" charset="0"/>
+              </a:rPr>
+              <a:t>…slowly.</a:t>
+            </a:r>
+          </a:p>
+          <a:p>
+            <a:pPr marL="0" indent="0">
+              <a:buNone/>
+            </a:pPr>
+            <a:endParaRPr lang="en-US" dirty="0">
+              <a:latin typeface="Open Sans" panose="020B0606030504020204" pitchFamily="34" charset="0"/>
+              <a:ea typeface="Open Sans" panose="020B0606030504020204" pitchFamily="34" charset="0"/>
+              <a:cs typeface="Open Sans" panose="020B0606030504020204" pitchFamily="34" charset="0"/>
+            </a:endParaRPr>
+          </a:p>
+        </p:txBody>
+      </p:sp>
+    </p:spTree>
+    <p:extLst>
+      <p:ext uri="{BB962C8B-B14F-4D97-AF65-F5344CB8AC3E}">
+        <p14:creationId xmlns:p14="http://schemas.microsoft.com/office/powerpoint/2010/main" val="1928281472"/>
+      </p:ext>
+    </p:extLst>
+  </p:cSld>
+  <p:clrMapOvr>
+    <a:masterClrMapping/>
+  </p:clrMapOvr>
+  <p:timing>
+    <p:tnLst>
+      <p:par>
+        <p:cTn id="1" dur="indefinite" restart="never" nodeType="tmRoot"/>
+      </p:par>
+    </p:tnLst>
+  </p:timing>
+</p:sld>
+</file>
+
+<file path=ppt/slides/slide13.xml><?xml version="1.0" encoding="utf-8"?>
+<p:sld xmlns:a="http://schemas.openxmlformats.org/drawingml/2006/main" xmlns:r="http://schemas.openxmlformats.org/officeDocument/2006/relationships" xmlns:p="http://schemas.openxmlformats.org/presentationml/2006/main">
+  <p:cSld>
+    <p:spTree>
+      <p:nvGrpSpPr>
+        <p:cNvPr id="1" name=""/>
+        <p:cNvGrpSpPr/>
+        <p:nvPr/>
+      </p:nvGrpSpPr>
+      <p:grpSpPr>
+        <a:xfrm>
+          <a:off x="0" y="0"/>
+          <a:ext cx="0" cy="0"/>
+          <a:chOff x="0" y="0"/>
+          <a:chExt cx="0" cy="0"/>
+        </a:xfrm>
+      </p:grpSpPr>
+      <p:sp>
+        <p:nvSpPr>
+          <p:cNvPr id="2" name="Title 1"/>
+          <p:cNvSpPr>
+            <a:spLocks noGrp="1"/>
+          </p:cNvSpPr>
+          <p:nvPr>
+            <p:ph type="title"/>
+          </p:nvPr>
+        </p:nvSpPr>
+        <p:spPr>
+          <a:xfrm>
+            <a:off x="533400" y="457200"/>
+            <a:ext cx="8229600" cy="1143000"/>
+          </a:xfrm>
+        </p:spPr>
+        <p:txBody>
+          <a:bodyPr/>
+          <a:lstStyle/>
+          <a:p>
+            <a:r>
+              <a:rPr lang="en-US" dirty="0" smtClean="0">
+                <a:latin typeface="Adobe Fan Heiti Std B" pitchFamily="34" charset="-128"/>
+                <a:ea typeface="Adobe Fan Heiti Std B" pitchFamily="34" charset="-128"/>
+              </a:rPr>
+              <a:t>This works!</a:t>
+            </a:r>
+            <a:endParaRPr lang="en-US" dirty="0">
+              <a:latin typeface="Adobe Fan Heiti Std B" pitchFamily="34" charset="-128"/>
+              <a:ea typeface="Adobe Fan Heiti Std B" pitchFamily="34" charset="-128"/>
+            </a:endParaRPr>
+          </a:p>
+        </p:txBody>
+      </p:sp>
+      <p:sp>
+        <p:nvSpPr>
+          <p:cNvPr id="3" name="Content Placeholder 2"/>
+          <p:cNvSpPr>
+            <a:spLocks noGrp="1"/>
+          </p:cNvSpPr>
+          <p:nvPr>
+            <p:ph idx="1"/>
+          </p:nvPr>
+        </p:nvSpPr>
+        <p:spPr/>
+        <p:txBody>
+          <a:bodyPr/>
+          <a:lstStyle/>
+          <a:p>
+            <a:pPr marL="0" indent="0">
+              <a:buNone/>
+            </a:pPr>
+            <a:r>
+              <a:rPr lang="en-US" b="1" dirty="0" smtClean="0">
+                <a:latin typeface="Open Sans" panose="020B0606030504020204" pitchFamily="34" charset="0"/>
+                <a:ea typeface="Open Sans" panose="020B0606030504020204" pitchFamily="34" charset="0"/>
+                <a:cs typeface="Open Sans" panose="020B0606030504020204" pitchFamily="34" charset="0"/>
+              </a:rPr>
+              <a:t>…slowly.</a:t>
+            </a:r>
+          </a:p>
+          <a:p>
+            <a:r>
+              <a:rPr lang="en-US" dirty="0" smtClean="0">
+                <a:latin typeface="Open Sans" panose="020B0606030504020204" pitchFamily="34" charset="0"/>
+                <a:ea typeface="Open Sans" panose="020B0606030504020204" pitchFamily="34" charset="0"/>
+                <a:cs typeface="Open Sans" panose="020B0606030504020204" pitchFamily="34" charset="0"/>
+              </a:rPr>
+              <a:t>Many requests, all at once</a:t>
+            </a:r>
+          </a:p>
+          <a:p>
+            <a:pPr lvl="1"/>
+            <a:r>
+              <a:rPr lang="en-US" dirty="0" smtClean="0">
+                <a:latin typeface="Open Sans" panose="020B0606030504020204" pitchFamily="34" charset="0"/>
+                <a:ea typeface="Open Sans" panose="020B0606030504020204" pitchFamily="34" charset="0"/>
+                <a:cs typeface="Open Sans" panose="020B0606030504020204" pitchFamily="34" charset="0"/>
+              </a:rPr>
+              <a:t>Convoluted code to stagger requests</a:t>
+            </a:r>
+          </a:p>
+          <a:p>
+            <a:r>
+              <a:rPr lang="en-US" dirty="0" smtClean="0">
+                <a:latin typeface="Open Sans" panose="020B0606030504020204" pitchFamily="34" charset="0"/>
+                <a:ea typeface="Open Sans" panose="020B0606030504020204" pitchFamily="34" charset="0"/>
+                <a:cs typeface="Open Sans" panose="020B0606030504020204" pitchFamily="34" charset="0"/>
+              </a:rPr>
+              <a:t>Spikey server interactions</a:t>
+            </a:r>
+          </a:p>
+          <a:p>
+            <a:pPr lvl="1"/>
+            <a:r>
+              <a:rPr lang="en-US" dirty="0" smtClean="0">
+                <a:latin typeface="Open Sans" panose="020B0606030504020204" pitchFamily="34" charset="0"/>
+                <a:ea typeface="Open Sans" panose="020B0606030504020204" pitchFamily="34" charset="0"/>
+                <a:cs typeface="Open Sans" panose="020B0606030504020204" pitchFamily="34" charset="0"/>
+              </a:rPr>
+              <a:t>Need to increase minimum number of instances</a:t>
+            </a:r>
+          </a:p>
+          <a:p>
+            <a:r>
+              <a:rPr lang="en-US" dirty="0">
+                <a:latin typeface="Open Sans" panose="020B0606030504020204" pitchFamily="34" charset="0"/>
+                <a:ea typeface="Open Sans" panose="020B0606030504020204" pitchFamily="34" charset="0"/>
+                <a:cs typeface="Open Sans" panose="020B0606030504020204" pitchFamily="34" charset="0"/>
+              </a:rPr>
+              <a:t>~</a:t>
+            </a:r>
+            <a:r>
+              <a:rPr lang="en-US" dirty="0" smtClean="0">
+                <a:latin typeface="Open Sans" panose="020B0606030504020204" pitchFamily="34" charset="0"/>
+                <a:ea typeface="Open Sans" panose="020B0606030504020204" pitchFamily="34" charset="0"/>
+                <a:cs typeface="Open Sans" panose="020B0606030504020204" pitchFamily="34" charset="0"/>
+              </a:rPr>
+              <a:t>4 seconds for a profile, on a connection</a:t>
+            </a:r>
+          </a:p>
+          <a:p>
+            <a:pPr marL="393192" lvl="1" indent="0">
+              <a:buNone/>
+            </a:pPr>
+            <a:endParaRPr lang="en-US" dirty="0" smtClean="0">
+              <a:latin typeface="Open Sans" panose="020B0606030504020204" pitchFamily="34" charset="0"/>
+              <a:ea typeface="Open Sans" panose="020B0606030504020204" pitchFamily="34" charset="0"/>
+              <a:cs typeface="Open Sans" panose="020B0606030504020204" pitchFamily="34" charset="0"/>
+            </a:endParaRPr>
+          </a:p>
+          <a:p>
+            <a:pPr marL="0" indent="0">
+              <a:buNone/>
+            </a:pPr>
+            <a:endParaRPr lang="en-US" dirty="0">
+              <a:latin typeface="Open Sans" panose="020B0606030504020204" pitchFamily="34" charset="0"/>
+              <a:ea typeface="Open Sans" panose="020B0606030504020204" pitchFamily="34" charset="0"/>
+              <a:cs typeface="Open Sans" panose="020B0606030504020204" pitchFamily="34" charset="0"/>
+            </a:endParaRPr>
+          </a:p>
+        </p:txBody>
+      </p:sp>
+    </p:spTree>
+    <p:extLst>
+      <p:ext uri="{BB962C8B-B14F-4D97-AF65-F5344CB8AC3E}">
+        <p14:creationId xmlns:p14="http://schemas.microsoft.com/office/powerpoint/2010/main" val="161504529"/>
+      </p:ext>
+    </p:extLst>
+  </p:cSld>
+  <p:clrMapOvr>
+    <a:masterClrMapping/>
+  </p:clrMapOvr>
+  <p:timing>
+    <p:tnLst>
+      <p:par>
+        <p:cTn id="1" dur="indefinite" restart="never" nodeType="tmRoot"/>
+      </p:par>
+    </p:tnLst>
+  </p:timing>
+</p:sld>
+</file>
+
+<file path=ppt/slides/slide14.xml><?xml version="1.0" encoding="utf-8"?>
+<p:sld xmlns:a="http://schemas.openxmlformats.org/drawingml/2006/main" xmlns:r="http://schemas.openxmlformats.org/officeDocument/2006/relationships" xmlns:p="http://schemas.openxmlformats.org/presentationml/2006/main">
+  <p:cSld>
+    <p:spTree>
+      <p:nvGrpSpPr>
+        <p:cNvPr id="1" name=""/>
+        <p:cNvGrpSpPr/>
+        <p:nvPr/>
+      </p:nvGrpSpPr>
+      <p:grpSpPr>
+        <a:xfrm>
+          <a:off x="0" y="0"/>
+          <a:ext cx="0" cy="0"/>
+          <a:chOff x="0" y="0"/>
+          <a:chExt cx="0" cy="0"/>
+        </a:xfrm>
+      </p:grpSpPr>
+      <p:sp>
+        <p:nvSpPr>
+          <p:cNvPr id="2" name="Title 1"/>
+          <p:cNvSpPr>
+            <a:spLocks noGrp="1"/>
+          </p:cNvSpPr>
+          <p:nvPr>
+            <p:ph type="title"/>
+          </p:nvPr>
+        </p:nvSpPr>
+        <p:spPr>
+          <a:xfrm>
+            <a:off x="457200" y="457200"/>
+            <a:ext cx="8229600" cy="1143000"/>
+          </a:xfrm>
+        </p:spPr>
+        <p:txBody>
+          <a:bodyPr/>
+          <a:lstStyle/>
+          <a:p>
+            <a:r>
+              <a:rPr lang="en-US" dirty="0" smtClean="0">
+                <a:latin typeface="Adobe Fan Heiti Std B" pitchFamily="34" charset="-128"/>
+                <a:ea typeface="Adobe Fan Heiti Std B" pitchFamily="34" charset="-128"/>
+              </a:rPr>
+              <a:t>A better way?</a:t>
+            </a:r>
+            <a:endParaRPr lang="en-US" dirty="0">
+              <a:latin typeface="Adobe Fan Heiti Std B" pitchFamily="34" charset="-128"/>
+              <a:ea typeface="Adobe Fan Heiti Std B" pitchFamily="34" charset="-128"/>
+            </a:endParaRPr>
+          </a:p>
+        </p:txBody>
+      </p:sp>
+      <p:sp>
+        <p:nvSpPr>
+          <p:cNvPr id="3" name="Content Placeholder 2"/>
+          <p:cNvSpPr>
+            <a:spLocks noGrp="1"/>
+          </p:cNvSpPr>
+          <p:nvPr>
+            <p:ph idx="1"/>
+          </p:nvPr>
+        </p:nvSpPr>
+        <p:spPr/>
+        <p:txBody>
+          <a:bodyPr/>
+          <a:lstStyle/>
+          <a:p>
+            <a:r>
+              <a:rPr lang="en-US" dirty="0" err="1" smtClean="0">
+                <a:latin typeface="Open Sans" panose="020B0606030504020204" pitchFamily="34" charset="0"/>
+                <a:ea typeface="Open Sans" panose="020B0606030504020204" pitchFamily="34" charset="0"/>
+                <a:cs typeface="Open Sans" panose="020B0606030504020204" pitchFamily="34" charset="0"/>
+              </a:rPr>
+              <a:t>Rasters</a:t>
+            </a:r>
+            <a:r>
+              <a:rPr lang="en-US" dirty="0" smtClean="0">
+                <a:latin typeface="Open Sans" panose="020B0606030504020204" pitchFamily="34" charset="0"/>
+                <a:ea typeface="Open Sans" panose="020B0606030504020204" pitchFamily="34" charset="0"/>
+                <a:cs typeface="Open Sans" panose="020B0606030504020204" pitchFamily="34" charset="0"/>
+              </a:rPr>
+              <a:t> represent values via their color ramp</a:t>
+            </a:r>
+          </a:p>
+          <a:p>
+            <a:r>
+              <a:rPr lang="en-US" dirty="0" smtClean="0">
+                <a:latin typeface="Open Sans" panose="020B0606030504020204" pitchFamily="34" charset="0"/>
+                <a:ea typeface="Open Sans" panose="020B0606030504020204" pitchFamily="34" charset="0"/>
+                <a:cs typeface="Open Sans" panose="020B0606030504020204" pitchFamily="34" charset="0"/>
+              </a:rPr>
+              <a:t>By displaying a color at a pixel, the application is inherently answering a query about its elevation</a:t>
+            </a:r>
+          </a:p>
+          <a:p>
+            <a:r>
+              <a:rPr lang="en-US" dirty="0" smtClean="0">
+                <a:latin typeface="Open Sans" panose="020B0606030504020204" pitchFamily="34" charset="0"/>
+                <a:ea typeface="Open Sans" panose="020B0606030504020204" pitchFamily="34" charset="0"/>
+                <a:cs typeface="Open Sans" panose="020B0606030504020204" pitchFamily="34" charset="0"/>
+              </a:rPr>
+              <a:t>If we could </a:t>
+            </a:r>
+            <a:r>
+              <a:rPr lang="en-US" i="1" dirty="0" smtClean="0">
+                <a:latin typeface="Open Sans" panose="020B0606030504020204" pitchFamily="34" charset="0"/>
+                <a:ea typeface="Open Sans" panose="020B0606030504020204" pitchFamily="34" charset="0"/>
+                <a:cs typeface="Open Sans" panose="020B0606030504020204" pitchFamily="34" charset="0"/>
+              </a:rPr>
+              <a:t>speak the language of the color ramp</a:t>
+            </a:r>
+            <a:r>
+              <a:rPr lang="en-US" dirty="0" smtClean="0">
+                <a:latin typeface="Open Sans" panose="020B0606030504020204" pitchFamily="34" charset="0"/>
+                <a:ea typeface="Open Sans" panose="020B0606030504020204" pitchFamily="34" charset="0"/>
+                <a:cs typeface="Open Sans" panose="020B0606030504020204" pitchFamily="34" charset="0"/>
+              </a:rPr>
+              <a:t>, we wouldn’t have to talk to the server at all</a:t>
+            </a:r>
+          </a:p>
+        </p:txBody>
+      </p:sp>
+    </p:spTree>
+    <p:extLst>
+      <p:ext uri="{BB962C8B-B14F-4D97-AF65-F5344CB8AC3E}">
+        <p14:creationId xmlns:p14="http://schemas.microsoft.com/office/powerpoint/2010/main" val="4244592069"/>
+      </p:ext>
+    </p:extLst>
+  </p:cSld>
+  <p:clrMapOvr>
+    <a:masterClrMapping/>
+  </p:clrMapOvr>
+  <p:timing>
+    <p:tnLst>
+      <p:par>
+        <p:cTn id="1" dur="indefinite" restart="never" nodeType="tmRoot"/>
+      </p:par>
+    </p:tnLst>
+  </p:timing>
+</p:sld>
+</file>
+
+<file path=ppt/slides/slide15.xml><?xml version="1.0" encoding="utf-8"?>
+<p:sld xmlns:a="http://schemas.openxmlformats.org/drawingml/2006/main" xmlns:r="http://schemas.openxmlformats.org/officeDocument/2006/relationships" xmlns:p="http://schemas.openxmlformats.org/presentationml/2006/main">
+  <p:cSld>
+    <p:spTree>
+      <p:nvGrpSpPr>
+        <p:cNvPr id="1" name=""/>
+        <p:cNvGrpSpPr/>
+        <p:nvPr/>
+      </p:nvGrpSpPr>
+      <p:grpSpPr>
+        <a:xfrm>
+          <a:off x="0" y="0"/>
+          <a:ext cx="0" cy="0"/>
+          <a:chOff x="0" y="0"/>
+          <a:chExt cx="0" cy="0"/>
+        </a:xfrm>
+      </p:grpSpPr>
+      <p:sp>
+        <p:nvSpPr>
+          <p:cNvPr id="2" name="Title 1"/>
+          <p:cNvSpPr>
+            <a:spLocks noGrp="1"/>
+          </p:cNvSpPr>
+          <p:nvPr>
+            <p:ph type="title"/>
+          </p:nvPr>
+        </p:nvSpPr>
+        <p:spPr>
+          <a:xfrm>
+            <a:off x="457200" y="457200"/>
+            <a:ext cx="8229600" cy="1143000"/>
+          </a:xfrm>
+        </p:spPr>
+        <p:txBody>
+          <a:bodyPr/>
+          <a:lstStyle/>
+          <a:p>
+            <a:r>
+              <a:rPr lang="en-US" dirty="0" smtClean="0">
+                <a:latin typeface="Adobe Fan Heiti Std B" pitchFamily="34" charset="-128"/>
+                <a:ea typeface="Adobe Fan Heiti Std B" pitchFamily="34" charset="-128"/>
+              </a:rPr>
+              <a:t>Color ramps</a:t>
+            </a:r>
+            <a:endParaRPr lang="en-US" dirty="0">
+              <a:latin typeface="Adobe Fan Heiti Std B" pitchFamily="34" charset="-128"/>
+              <a:ea typeface="Adobe Fan Heiti Std B" pitchFamily="34" charset="-128"/>
+            </a:endParaRPr>
+          </a:p>
+        </p:txBody>
+      </p:sp>
+      <p:sp>
+        <p:nvSpPr>
+          <p:cNvPr id="3" name="Content Placeholder 2"/>
+          <p:cNvSpPr>
+            <a:spLocks noGrp="1"/>
+          </p:cNvSpPr>
+          <p:nvPr>
+            <p:ph idx="1"/>
+          </p:nvPr>
+        </p:nvSpPr>
+        <p:spPr/>
+        <p:txBody>
+          <a:bodyPr/>
+          <a:lstStyle/>
+          <a:p>
+            <a:endParaRPr lang="en-US" dirty="0"/>
+          </a:p>
+        </p:txBody>
+      </p:sp>
+      <p:pic>
+        <p:nvPicPr>
+          <p:cNvPr id="5122" name="Picture 2" descr="\\pcdistfs1\cdgis\PROJECTS\Bath\Admin\Posters\ramps.jpg"/>
+          <p:cNvPicPr>
+            <a:picLocks noChangeAspect="1" noChangeArrowheads="1"/>
+          </p:cNvPicPr>
+          <p:nvPr/>
+        </p:nvPicPr>
+        <p:blipFill>
+          <a:blip r:embed="rId2">
+            <a:extLst>
+              <a:ext uri="{28A0092B-C50C-407E-A947-70E740481C1C}">
+                <a14:useLocalDpi xmlns:a14="http://schemas.microsoft.com/office/drawing/2010/main" val="0"/>
+              </a:ext>
+            </a:extLst>
+          </a:blip>
+          <a:srcRect/>
+          <a:stretch>
+            <a:fillRect/>
+          </a:stretch>
+        </p:blipFill>
+        <p:spPr bwMode="auto">
+          <a:xfrm>
+            <a:off x="1524000" y="1905000"/>
+            <a:ext cx="5859459" cy="4572000"/>
+          </a:xfrm>
+          <a:prstGeom prst="rect">
+            <a:avLst/>
+          </a:prstGeom>
+          <a:noFill/>
+          <a:extLst>
+            <a:ext uri="{909E8E84-426E-40DD-AFC4-6F175D3DCCD1}">
+              <a14:hiddenFill xmlns:a14="http://schemas.microsoft.com/office/drawing/2010/main">
+                <a:solidFill>
+                  <a:srgbClr val="FFFFFF"/>
+                </a:solidFill>
+              </a14:hiddenFill>
+            </a:ext>
+          </a:extLst>
+        </p:spPr>
+      </p:pic>
+    </p:spTree>
+    <p:extLst>
+      <p:ext uri="{BB962C8B-B14F-4D97-AF65-F5344CB8AC3E}">
+        <p14:creationId xmlns:p14="http://schemas.microsoft.com/office/powerpoint/2010/main" val="1377679826"/>
+      </p:ext>
+    </p:extLst>
+  </p:cSld>
+  <p:clrMapOvr>
+    <a:masterClrMapping/>
+  </p:clrMapOvr>
+  <p:timing>
+    <p:tnLst>
+      <p:par>
+        <p:cTn id="1" dur="indefinite" restart="never" nodeType="tmRoot"/>
+      </p:par>
+    </p:tnLst>
+  </p:timing>
+</p:sld>
+</file>
+
+<file path=ppt/slides/slide16.xml><?xml version="1.0" encoding="utf-8"?>
+<p:sld xmlns:a="http://schemas.openxmlformats.org/drawingml/2006/main" xmlns:r="http://schemas.openxmlformats.org/officeDocument/2006/relationships" xmlns:p="http://schemas.openxmlformats.org/presentationml/2006/main">
+  <p:cSld>
+    <p:spTree>
+      <p:nvGrpSpPr>
+        <p:cNvPr id="1" name=""/>
+        <p:cNvGrpSpPr/>
+        <p:nvPr/>
+      </p:nvGrpSpPr>
+      <p:grpSpPr>
+        <a:xfrm>
+          <a:off x="0" y="0"/>
+          <a:ext cx="0" cy="0"/>
+          <a:chOff x="0" y="0"/>
+          <a:chExt cx="0" cy="0"/>
+        </a:xfrm>
+      </p:grpSpPr>
+      <p:sp>
+        <p:nvSpPr>
+          <p:cNvPr id="2" name="Title 1"/>
+          <p:cNvSpPr>
+            <a:spLocks noGrp="1"/>
+          </p:cNvSpPr>
+          <p:nvPr>
+            <p:ph type="title"/>
+          </p:nvPr>
+        </p:nvSpPr>
+        <p:spPr>
+          <a:xfrm>
+            <a:off x="457200" y="457200"/>
+            <a:ext cx="8229600" cy="1143000"/>
+          </a:xfrm>
+        </p:spPr>
+        <p:txBody>
+          <a:bodyPr/>
+          <a:lstStyle/>
+          <a:p>
+            <a:r>
+              <a:rPr lang="en-US" dirty="0" smtClean="0">
+                <a:latin typeface="Adobe Fan Heiti Std B" pitchFamily="34" charset="-128"/>
+                <a:ea typeface="Adobe Fan Heiti Std B" pitchFamily="34" charset="-128"/>
+              </a:rPr>
+              <a:t>Color ramps</a:t>
+            </a:r>
+            <a:endParaRPr lang="en-US" dirty="0">
+              <a:latin typeface="Adobe Fan Heiti Std B" pitchFamily="34" charset="-128"/>
+              <a:ea typeface="Adobe Fan Heiti Std B" pitchFamily="34" charset="-128"/>
+            </a:endParaRPr>
+          </a:p>
+        </p:txBody>
+      </p:sp>
+      <p:sp>
+        <p:nvSpPr>
+          <p:cNvPr id="3" name="Content Placeholder 2"/>
+          <p:cNvSpPr>
+            <a:spLocks noGrp="1"/>
+          </p:cNvSpPr>
+          <p:nvPr>
+            <p:ph idx="1"/>
+          </p:nvPr>
+        </p:nvSpPr>
+        <p:spPr/>
+        <p:txBody>
+          <a:bodyPr/>
+          <a:lstStyle/>
+          <a:p>
+            <a:r>
+              <a:rPr lang="en-US" dirty="0" smtClean="0">
+                <a:latin typeface="Open Sans" panose="020B0606030504020204" pitchFamily="34" charset="0"/>
+                <a:ea typeface="Open Sans" panose="020B0606030504020204" pitchFamily="34" charset="0"/>
+                <a:cs typeface="Open Sans" panose="020B0606030504020204" pitchFamily="34" charset="0"/>
+              </a:rPr>
+              <a:t>Contain 256 colors.</a:t>
+            </a:r>
+          </a:p>
+          <a:p>
+            <a:pPr lvl="1"/>
+            <a:r>
+              <a:rPr lang="en-US" dirty="0" smtClean="0">
+                <a:latin typeface="Open Sans" panose="020B0606030504020204" pitchFamily="34" charset="0"/>
+                <a:ea typeface="Open Sans" panose="020B0606030504020204" pitchFamily="34" charset="0"/>
+                <a:cs typeface="Open Sans" panose="020B0606030504020204" pitchFamily="34" charset="0"/>
+              </a:rPr>
+              <a:t>Finer precision is binned</a:t>
+            </a:r>
+          </a:p>
+          <a:p>
+            <a:r>
+              <a:rPr lang="en-US" dirty="0" smtClean="0">
+                <a:latin typeface="Open Sans" panose="020B0606030504020204" pitchFamily="34" charset="0"/>
+                <a:ea typeface="Open Sans" panose="020B0606030504020204" pitchFamily="34" charset="0"/>
+                <a:cs typeface="Open Sans" panose="020B0606030504020204" pitchFamily="34" charset="0"/>
+              </a:rPr>
+              <a:t>Resolution of color ramp depends on range of values</a:t>
+            </a:r>
+          </a:p>
+        </p:txBody>
+      </p:sp>
+    </p:spTree>
+    <p:extLst>
+      <p:ext uri="{BB962C8B-B14F-4D97-AF65-F5344CB8AC3E}">
+        <p14:creationId xmlns:p14="http://schemas.microsoft.com/office/powerpoint/2010/main" val="841587605"/>
+      </p:ext>
+    </p:extLst>
+  </p:cSld>
+  <p:clrMapOvr>
+    <a:masterClrMapping/>
+  </p:clrMapOvr>
+  <p:timing>
+    <p:tnLst>
+      <p:par>
+        <p:cTn id="1" dur="indefinite" restart="never" nodeType="tmRoot"/>
+      </p:par>
+    </p:tnLst>
+  </p:timing>
+</p:sld>
+</file>
+
+<file path=ppt/slides/slide17.xml><?xml version="1.0" encoding="utf-8"?>
+<p:sld xmlns:a="http://schemas.openxmlformats.org/drawingml/2006/main" xmlns:r="http://schemas.openxmlformats.org/officeDocument/2006/relationships" xmlns:p="http://schemas.openxmlformats.org/presentationml/2006/main">
+  <p:cSld>
+    <p:spTree>
+      <p:nvGrpSpPr>
+        <p:cNvPr id="1" name=""/>
+        <p:cNvGrpSpPr/>
+        <p:nvPr/>
+      </p:nvGrpSpPr>
+      <p:grpSpPr>
+        <a:xfrm>
+          <a:off x="0" y="0"/>
+          <a:ext cx="0" cy="0"/>
+          <a:chOff x="0" y="0"/>
+          <a:chExt cx="0" cy="0"/>
+        </a:xfrm>
+      </p:grpSpPr>
+      <p:sp>
+        <p:nvSpPr>
+          <p:cNvPr id="2" name="Title 1"/>
+          <p:cNvSpPr>
+            <a:spLocks noGrp="1"/>
+          </p:cNvSpPr>
+          <p:nvPr>
+            <p:ph type="title"/>
+          </p:nvPr>
+        </p:nvSpPr>
+        <p:spPr>
+          <a:xfrm>
+            <a:off x="457200" y="457200"/>
+            <a:ext cx="8229600" cy="1143000"/>
+          </a:xfrm>
+        </p:spPr>
+        <p:txBody>
+          <a:bodyPr/>
+          <a:lstStyle/>
+          <a:p>
+            <a:r>
+              <a:rPr lang="en-US" dirty="0" smtClean="0">
+                <a:latin typeface="Adobe Fan Heiti Std B" pitchFamily="34" charset="-128"/>
+                <a:ea typeface="Adobe Fan Heiti Std B" pitchFamily="34" charset="-128"/>
+              </a:rPr>
+              <a:t>Color ramps</a:t>
+            </a:r>
+            <a:endParaRPr lang="en-US" dirty="0">
+              <a:latin typeface="Adobe Fan Heiti Std B" pitchFamily="34" charset="-128"/>
+              <a:ea typeface="Adobe Fan Heiti Std B" pitchFamily="34" charset="-128"/>
+            </a:endParaRPr>
+          </a:p>
+        </p:txBody>
+      </p:sp>
+      <p:sp>
+        <p:nvSpPr>
+          <p:cNvPr id="3" name="Content Placeholder 2"/>
+          <p:cNvSpPr>
+            <a:spLocks noGrp="1"/>
+          </p:cNvSpPr>
+          <p:nvPr>
+            <p:ph idx="1"/>
+          </p:nvPr>
+        </p:nvSpPr>
+        <p:spPr/>
+        <p:txBody>
+          <a:bodyPr/>
+          <a:lstStyle/>
+          <a:p>
+            <a:r>
+              <a:rPr lang="en-US" dirty="0" smtClean="0">
+                <a:latin typeface="Open Sans" panose="020B0606030504020204" pitchFamily="34" charset="0"/>
+                <a:ea typeface="Open Sans" panose="020B0606030504020204" pitchFamily="34" charset="0"/>
+                <a:cs typeface="Open Sans" panose="020B0606030504020204" pitchFamily="34" charset="0"/>
+              </a:rPr>
+              <a:t>Contain 256 colors.</a:t>
+            </a:r>
+          </a:p>
+          <a:p>
+            <a:pPr lvl="1"/>
+            <a:r>
+              <a:rPr lang="en-US" dirty="0" smtClean="0">
+                <a:latin typeface="Open Sans" panose="020B0606030504020204" pitchFamily="34" charset="0"/>
+                <a:ea typeface="Open Sans" panose="020B0606030504020204" pitchFamily="34" charset="0"/>
+                <a:cs typeface="Open Sans" panose="020B0606030504020204" pitchFamily="34" charset="0"/>
+              </a:rPr>
+              <a:t>Finer precision is binned</a:t>
+            </a:r>
+          </a:p>
+          <a:p>
+            <a:r>
+              <a:rPr lang="en-US" dirty="0" smtClean="0">
+                <a:latin typeface="Open Sans" panose="020B0606030504020204" pitchFamily="34" charset="0"/>
+                <a:ea typeface="Open Sans" panose="020B0606030504020204" pitchFamily="34" charset="0"/>
+                <a:cs typeface="Open Sans" panose="020B0606030504020204" pitchFamily="34" charset="0"/>
+              </a:rPr>
+              <a:t>Resolution of color ramp depends on range of values</a:t>
+            </a:r>
+          </a:p>
+          <a:p>
+            <a:endParaRPr lang="en-US" dirty="0">
+              <a:latin typeface="Open Sans" panose="020B0606030504020204" pitchFamily="34" charset="0"/>
+              <a:ea typeface="Open Sans" panose="020B0606030504020204" pitchFamily="34" charset="0"/>
+              <a:cs typeface="Open Sans" panose="020B0606030504020204" pitchFamily="34" charset="0"/>
+            </a:endParaRPr>
+          </a:p>
+          <a:p>
+            <a:r>
+              <a:rPr lang="en-US" dirty="0" smtClean="0">
+                <a:latin typeface="Open Sans" panose="020B0606030504020204" pitchFamily="34" charset="0"/>
+                <a:ea typeface="Open Sans" panose="020B0606030504020204" pitchFamily="34" charset="0"/>
+                <a:cs typeface="Open Sans" panose="020B0606030504020204" pitchFamily="34" charset="0"/>
+              </a:rPr>
+              <a:t>We have values ranging from 5ft to -68ft</a:t>
+            </a:r>
+          </a:p>
+          <a:p>
+            <a:pPr lvl="1"/>
+            <a:r>
+              <a:rPr lang="en-US" dirty="0" smtClean="0">
+                <a:latin typeface="Open Sans" panose="020B0606030504020204" pitchFamily="34" charset="0"/>
+                <a:ea typeface="Open Sans" panose="020B0606030504020204" pitchFamily="34" charset="0"/>
+                <a:cs typeface="Open Sans" panose="020B0606030504020204" pitchFamily="34" charset="0"/>
+              </a:rPr>
+              <a:t>Resolution is ~0.25ft… acceptable!</a:t>
+            </a:r>
+          </a:p>
+        </p:txBody>
+      </p:sp>
+    </p:spTree>
+    <p:extLst>
+      <p:ext uri="{BB962C8B-B14F-4D97-AF65-F5344CB8AC3E}">
+        <p14:creationId xmlns:p14="http://schemas.microsoft.com/office/powerpoint/2010/main" val="3800686314"/>
+      </p:ext>
+    </p:extLst>
+  </p:cSld>
+  <p:clrMapOvr>
+    <a:masterClrMapping/>
+  </p:clrMapOvr>
+  <p:timing>
+    <p:tnLst>
+      <p:par>
+        <p:cTn id="1" dur="indefinite" restart="never" nodeType="tmRoot"/>
+      </p:par>
+    </p:tnLst>
+  </p:timing>
+</p:sld>
+</file>
+
+<file path=ppt/slides/slide18.xml><?xml version="1.0" encoding="utf-8"?>
+<p:sld xmlns:a="http://schemas.openxmlformats.org/drawingml/2006/main" xmlns:r="http://schemas.openxmlformats.org/officeDocument/2006/relationships" xmlns:p="http://schemas.openxmlformats.org/presentationml/2006/main">
+  <p:cSld>
+    <p:spTree>
+      <p:nvGrpSpPr>
+        <p:cNvPr id="1" name=""/>
+        <p:cNvGrpSpPr/>
+        <p:nvPr/>
+      </p:nvGrpSpPr>
+      <p:grpSpPr>
+        <a:xfrm>
+          <a:off x="0" y="0"/>
+          <a:ext cx="0" cy="0"/>
+          <a:chOff x="0" y="0"/>
+          <a:chExt cx="0" cy="0"/>
+        </a:xfrm>
+      </p:grpSpPr>
+      <p:sp>
+        <p:nvSpPr>
+          <p:cNvPr id="2" name="Title 1"/>
+          <p:cNvSpPr>
+            <a:spLocks noGrp="1"/>
+          </p:cNvSpPr>
+          <p:nvPr>
+            <p:ph type="title"/>
+          </p:nvPr>
+        </p:nvSpPr>
+        <p:spPr>
+          <a:xfrm>
+            <a:off x="457200" y="457200"/>
+            <a:ext cx="8229600" cy="1143000"/>
+          </a:xfrm>
+        </p:spPr>
+        <p:txBody>
+          <a:bodyPr>
+            <a:normAutofit/>
+          </a:bodyPr>
+          <a:lstStyle/>
+          <a:p>
+            <a:r>
+              <a:rPr lang="en-US" sz="4200" dirty="0" smtClean="0">
+                <a:latin typeface="Adobe Fan Heiti Std B" pitchFamily="34" charset="-128"/>
+                <a:ea typeface="Adobe Fan Heiti Std B" pitchFamily="34" charset="-128"/>
+              </a:rPr>
+              <a:t>How to query from a color ramp?</a:t>
+            </a:r>
+            <a:endParaRPr lang="en-US" sz="4200" dirty="0">
+              <a:latin typeface="Adobe Fan Heiti Std B" pitchFamily="34" charset="-128"/>
+              <a:ea typeface="Adobe Fan Heiti Std B" pitchFamily="34" charset="-128"/>
+            </a:endParaRPr>
+          </a:p>
+        </p:txBody>
+      </p:sp>
+      <p:sp>
+        <p:nvSpPr>
+          <p:cNvPr id="3" name="Content Placeholder 2"/>
+          <p:cNvSpPr>
+            <a:spLocks noGrp="1"/>
+          </p:cNvSpPr>
+          <p:nvPr>
+            <p:ph idx="1"/>
+          </p:nvPr>
+        </p:nvSpPr>
+        <p:spPr/>
+        <p:txBody>
+          <a:bodyPr/>
+          <a:lstStyle/>
+          <a:p>
+            <a:r>
+              <a:rPr lang="en-US" dirty="0" err="1" smtClean="0">
+                <a:latin typeface="Open Sans" panose="020B0606030504020204" pitchFamily="34" charset="0"/>
+                <a:ea typeface="Open Sans" panose="020B0606030504020204" pitchFamily="34" charset="0"/>
+                <a:cs typeface="Open Sans" panose="020B0606030504020204" pitchFamily="34" charset="0"/>
+              </a:rPr>
+              <a:t>DynamicMapServiceLayer</a:t>
+            </a:r>
+            <a:endParaRPr lang="en-US" dirty="0" smtClean="0">
+              <a:latin typeface="Open Sans" panose="020B0606030504020204" pitchFamily="34" charset="0"/>
+              <a:ea typeface="Open Sans" panose="020B0606030504020204" pitchFamily="34" charset="0"/>
+              <a:cs typeface="Open Sans" panose="020B0606030504020204" pitchFamily="34" charset="0"/>
+            </a:endParaRPr>
+          </a:p>
+          <a:p>
+            <a:pPr lvl="1"/>
+            <a:r>
+              <a:rPr lang="en-US" dirty="0" smtClean="0">
+                <a:latin typeface="Open Sans" panose="020B0606030504020204" pitchFamily="34" charset="0"/>
+                <a:ea typeface="Open Sans" panose="020B0606030504020204" pitchFamily="34" charset="0"/>
+                <a:cs typeface="Open Sans" panose="020B0606030504020204" pitchFamily="34" charset="0"/>
+              </a:rPr>
+              <a:t>When you pan/zoom you are requesting a PNG rendered by the server for the given extent </a:t>
+            </a:r>
+          </a:p>
+        </p:txBody>
+      </p:sp>
+    </p:spTree>
+    <p:extLst>
+      <p:ext uri="{BB962C8B-B14F-4D97-AF65-F5344CB8AC3E}">
+        <p14:creationId xmlns:p14="http://schemas.microsoft.com/office/powerpoint/2010/main" val="4191787193"/>
+      </p:ext>
+    </p:extLst>
+  </p:cSld>
+  <p:clrMapOvr>
+    <a:masterClrMapping/>
+  </p:clrMapOvr>
+  <p:timing>
+    <p:tnLst>
+      <p:par>
+        <p:cTn id="1" dur="indefinite" restart="never" nodeType="tmRoot"/>
+      </p:par>
+    </p:tnLst>
+  </p:timing>
+</p:sld>
+</file>
+
+<file path=ppt/slides/slide19.xml><?xml version="1.0" encoding="utf-8"?>
+<p:sld xmlns:a="http://schemas.openxmlformats.org/drawingml/2006/main" xmlns:r="http://schemas.openxmlformats.org/officeDocument/2006/relationships" xmlns:p="http://schemas.openxmlformats.org/presentationml/2006/main">
+  <p:cSld>
+    <p:spTree>
+      <p:nvGrpSpPr>
+        <p:cNvPr id="1" name=""/>
+        <p:cNvGrpSpPr/>
+        <p:nvPr/>
+      </p:nvGrpSpPr>
+      <p:grpSpPr>
+        <a:xfrm>
+          <a:off x="0" y="0"/>
+          <a:ext cx="0" cy="0"/>
+          <a:chOff x="0" y="0"/>
+          <a:chExt cx="0" cy="0"/>
+        </a:xfrm>
+      </p:grpSpPr>
+      <p:sp>
+        <p:nvSpPr>
+          <p:cNvPr id="2" name="Title 1"/>
+          <p:cNvSpPr>
+            <a:spLocks noGrp="1"/>
+          </p:cNvSpPr>
+          <p:nvPr>
+            <p:ph type="title"/>
+          </p:nvPr>
+        </p:nvSpPr>
+        <p:spPr>
+          <a:xfrm>
+            <a:off x="457200" y="457200"/>
+            <a:ext cx="8229600" cy="1143000"/>
+          </a:xfrm>
+        </p:spPr>
+        <p:txBody>
+          <a:bodyPr>
+            <a:normAutofit/>
+          </a:bodyPr>
+          <a:lstStyle/>
+          <a:p>
+            <a:r>
+              <a:rPr lang="en-US" sz="4200" dirty="0" smtClean="0">
+                <a:latin typeface="Adobe Fan Heiti Std B" pitchFamily="34" charset="-128"/>
+                <a:ea typeface="Adobe Fan Heiti Std B" pitchFamily="34" charset="-128"/>
+              </a:rPr>
+              <a:t>How to query from a color ramp?</a:t>
+            </a:r>
+            <a:endParaRPr lang="en-US" sz="4200" dirty="0">
+              <a:latin typeface="Adobe Fan Heiti Std B" pitchFamily="34" charset="-128"/>
+              <a:ea typeface="Adobe Fan Heiti Std B" pitchFamily="34" charset="-128"/>
+            </a:endParaRPr>
+          </a:p>
+        </p:txBody>
+      </p:sp>
+      <p:sp>
+        <p:nvSpPr>
+          <p:cNvPr id="3" name="Content Placeholder 2"/>
+          <p:cNvSpPr>
+            <a:spLocks noGrp="1"/>
+          </p:cNvSpPr>
+          <p:nvPr>
+            <p:ph idx="1"/>
+          </p:nvPr>
+        </p:nvSpPr>
+        <p:spPr/>
+        <p:txBody>
+          <a:bodyPr/>
+          <a:lstStyle/>
+          <a:p>
+            <a:r>
+              <a:rPr lang="en-US" dirty="0" err="1" smtClean="0">
+                <a:latin typeface="Open Sans" panose="020B0606030504020204" pitchFamily="34" charset="0"/>
+                <a:ea typeface="Open Sans" panose="020B0606030504020204" pitchFamily="34" charset="0"/>
+                <a:cs typeface="Open Sans" panose="020B0606030504020204" pitchFamily="34" charset="0"/>
+              </a:rPr>
+              <a:t>DynamicMapServiceLayer</a:t>
+            </a:r>
+            <a:endParaRPr lang="en-US" dirty="0" smtClean="0">
+              <a:latin typeface="Open Sans" panose="020B0606030504020204" pitchFamily="34" charset="0"/>
+              <a:ea typeface="Open Sans" panose="020B0606030504020204" pitchFamily="34" charset="0"/>
+              <a:cs typeface="Open Sans" panose="020B0606030504020204" pitchFamily="34" charset="0"/>
+            </a:endParaRPr>
+          </a:p>
+          <a:p>
+            <a:pPr lvl="1"/>
+            <a:r>
+              <a:rPr lang="en-US" dirty="0" smtClean="0">
+                <a:latin typeface="Open Sans" panose="020B0606030504020204" pitchFamily="34" charset="0"/>
+                <a:ea typeface="Open Sans" panose="020B0606030504020204" pitchFamily="34" charset="0"/>
+                <a:cs typeface="Open Sans" panose="020B0606030504020204" pitchFamily="34" charset="0"/>
+              </a:rPr>
+              <a:t>When you pan/zoom you are requesting a PNG rendered by the server for the given extent </a:t>
+            </a:r>
+          </a:p>
+        </p:txBody>
+      </p:sp>
+      <p:pic>
+        <p:nvPicPr>
+          <p:cNvPr id="6146" name="Picture 2" descr="\\pcdistfs1\cdgis\PROJECTS\Bath\Admin\Posters\dynamic_image.png"/>
+          <p:cNvPicPr>
+            <a:picLocks noChangeAspect="1" noChangeArrowheads="1"/>
+          </p:cNvPicPr>
+          <p:nvPr/>
+        </p:nvPicPr>
+        <p:blipFill>
+          <a:blip r:embed="rId2">
+            <a:extLst>
+              <a:ext uri="{28A0092B-C50C-407E-A947-70E740481C1C}">
+                <a14:useLocalDpi xmlns:a14="http://schemas.microsoft.com/office/drawing/2010/main" val="0"/>
+              </a:ext>
+            </a:extLst>
+          </a:blip>
+          <a:srcRect/>
+          <a:stretch>
+            <a:fillRect/>
+          </a:stretch>
+        </p:blipFill>
+        <p:spPr bwMode="auto">
+          <a:xfrm>
+            <a:off x="-1524000" y="-838200"/>
+            <a:ext cx="13066713" cy="8809038"/>
+          </a:xfrm>
+          <a:prstGeom prst="rect">
+            <a:avLst/>
+          </a:prstGeom>
+          <a:noFill/>
+          <a:extLst>
+            <a:ext uri="{909E8E84-426E-40DD-AFC4-6F175D3DCCD1}">
+              <a14:hiddenFill xmlns:a14="http://schemas.microsoft.com/office/drawing/2010/main">
+                <a:solidFill>
+                  <a:srgbClr val="FFFFFF"/>
+                </a:solidFill>
+              </a14:hiddenFill>
+            </a:ext>
+          </a:extLst>
+        </p:spPr>
+      </p:pic>
+    </p:spTree>
+    <p:extLst>
+      <p:ext uri="{BB962C8B-B14F-4D97-AF65-F5344CB8AC3E}">
+        <p14:creationId xmlns:p14="http://schemas.microsoft.com/office/powerpoint/2010/main" val="1204373794"/>
+      </p:ext>
+    </p:extLst>
+  </p:cSld>
+  <p:clrMapOvr>
+    <a:masterClrMapping/>
+  </p:clrMapOvr>
+  <p:timing>
+    <p:tnLst>
+      <p:par>
+        <p:cTn id="1" dur="indefinite" restart="never" nodeType="tmRoot"/>
+      </p:par>
+    </p:tnLst>
+  </p:timing>
+</p:sld>
+</file>
+
 <file path=ppt/slides/slide2.xml><?xml version="1.0" encoding="utf-8"?>
 <p:sld xmlns:a="http://schemas.openxmlformats.org/drawingml/2006/main" xmlns:r="http://schemas.openxmlformats.org/officeDocument/2006/relationships" xmlns:p="http://schemas.openxmlformats.org/presentationml/2006/main">
   <p:cSld>
@@ -4083,6 +5489,1319 @@
 </p:sld>
 </file>
 
+<file path=ppt/slides/slide20.xml><?xml version="1.0" encoding="utf-8"?>
+<p:sld xmlns:a="http://schemas.openxmlformats.org/drawingml/2006/main" xmlns:r="http://schemas.openxmlformats.org/officeDocument/2006/relationships" xmlns:p="http://schemas.openxmlformats.org/presentationml/2006/main">
+  <p:cSld>
+    <p:spTree>
+      <p:nvGrpSpPr>
+        <p:cNvPr id="1" name=""/>
+        <p:cNvGrpSpPr/>
+        <p:nvPr/>
+      </p:nvGrpSpPr>
+      <p:grpSpPr>
+        <a:xfrm>
+          <a:off x="0" y="0"/>
+          <a:ext cx="0" cy="0"/>
+          <a:chOff x="0" y="0"/>
+          <a:chExt cx="0" cy="0"/>
+        </a:xfrm>
+      </p:grpSpPr>
+      <p:sp>
+        <p:nvSpPr>
+          <p:cNvPr id="2" name="Title 1"/>
+          <p:cNvSpPr>
+            <a:spLocks noGrp="1"/>
+          </p:cNvSpPr>
+          <p:nvPr>
+            <p:ph type="title"/>
+          </p:nvPr>
+        </p:nvSpPr>
+        <p:spPr>
+          <a:xfrm>
+            <a:off x="457200" y="457200"/>
+            <a:ext cx="8229600" cy="1143000"/>
+          </a:xfrm>
+        </p:spPr>
+        <p:txBody>
+          <a:bodyPr>
+            <a:normAutofit/>
+          </a:bodyPr>
+          <a:lstStyle/>
+          <a:p>
+            <a:r>
+              <a:rPr lang="en-US" sz="4200" dirty="0" smtClean="0">
+                <a:latin typeface="Adobe Fan Heiti Std B" pitchFamily="34" charset="-128"/>
+                <a:ea typeface="Adobe Fan Heiti Std B" pitchFamily="34" charset="-128"/>
+              </a:rPr>
+              <a:t>How to query from a color ramp?</a:t>
+            </a:r>
+            <a:endParaRPr lang="en-US" sz="4200" dirty="0">
+              <a:latin typeface="Adobe Fan Heiti Std B" pitchFamily="34" charset="-128"/>
+              <a:ea typeface="Adobe Fan Heiti Std B" pitchFamily="34" charset="-128"/>
+            </a:endParaRPr>
+          </a:p>
+        </p:txBody>
+      </p:sp>
+      <p:sp>
+        <p:nvSpPr>
+          <p:cNvPr id="3" name="Content Placeholder 2"/>
+          <p:cNvSpPr>
+            <a:spLocks noGrp="1"/>
+          </p:cNvSpPr>
+          <p:nvPr>
+            <p:ph idx="1"/>
+          </p:nvPr>
+        </p:nvSpPr>
+        <p:spPr/>
+        <p:txBody>
+          <a:bodyPr>
+            <a:normAutofit fontScale="92500"/>
+          </a:bodyPr>
+          <a:lstStyle/>
+          <a:p>
+            <a:r>
+              <a:rPr lang="en-US" dirty="0" err="1" smtClean="0">
+                <a:latin typeface="Open Sans" panose="020B0606030504020204" pitchFamily="34" charset="0"/>
+                <a:ea typeface="Open Sans" panose="020B0606030504020204" pitchFamily="34" charset="0"/>
+                <a:cs typeface="Open Sans" panose="020B0606030504020204" pitchFamily="34" charset="0"/>
+              </a:rPr>
+              <a:t>DynamicMapServiceLayer</a:t>
+            </a:r>
+            <a:endParaRPr lang="en-US" dirty="0" smtClean="0">
+              <a:latin typeface="Open Sans" panose="020B0606030504020204" pitchFamily="34" charset="0"/>
+              <a:ea typeface="Open Sans" panose="020B0606030504020204" pitchFamily="34" charset="0"/>
+              <a:cs typeface="Open Sans" panose="020B0606030504020204" pitchFamily="34" charset="0"/>
+            </a:endParaRPr>
+          </a:p>
+          <a:p>
+            <a:pPr lvl="1"/>
+            <a:r>
+              <a:rPr lang="en-US" dirty="0" smtClean="0">
+                <a:latin typeface="Open Sans" panose="020B0606030504020204" pitchFamily="34" charset="0"/>
+                <a:ea typeface="Open Sans" panose="020B0606030504020204" pitchFamily="34" charset="0"/>
+                <a:cs typeface="Open Sans" panose="020B0606030504020204" pitchFamily="34" charset="0"/>
+              </a:rPr>
+              <a:t>When you pan/zoom you are requesting a PNG rendered by the server for the given extent </a:t>
+            </a:r>
+          </a:p>
+          <a:p>
+            <a:r>
+              <a:rPr lang="en-US" dirty="0">
+                <a:latin typeface="Open Sans" panose="020B0606030504020204" pitchFamily="34" charset="0"/>
+                <a:ea typeface="Open Sans" panose="020B0606030504020204" pitchFamily="34" charset="0"/>
+                <a:cs typeface="Open Sans" panose="020B0606030504020204" pitchFamily="34" charset="0"/>
+              </a:rPr>
+              <a:t>https://gis.water.ca.gov/arcgis/rest/services/Public/bathymetry_rasters/MapServer/export?dpi=96&amp;transparent=true&amp;format=</a:t>
+            </a:r>
+            <a:r>
+              <a:rPr lang="en-US" b="1" dirty="0">
+                <a:latin typeface="Open Sans" panose="020B0606030504020204" pitchFamily="34" charset="0"/>
+                <a:ea typeface="Open Sans" panose="020B0606030504020204" pitchFamily="34" charset="0"/>
+                <a:cs typeface="Open Sans" panose="020B0606030504020204" pitchFamily="34" charset="0"/>
+              </a:rPr>
+              <a:t>png8</a:t>
+            </a:r>
+            <a:r>
+              <a:rPr lang="en-US" dirty="0">
+                <a:latin typeface="Open Sans" panose="020B0606030504020204" pitchFamily="34" charset="0"/>
+                <a:ea typeface="Open Sans" panose="020B0606030504020204" pitchFamily="34" charset="0"/>
+                <a:cs typeface="Open Sans" panose="020B0606030504020204" pitchFamily="34" charset="0"/>
+              </a:rPr>
+              <a:t>&amp;layers=show%3A-1%2C</a:t>
+            </a:r>
+            <a:r>
+              <a:rPr lang="en-US" b="1" dirty="0">
+                <a:latin typeface="Open Sans" panose="020B0606030504020204" pitchFamily="34" charset="0"/>
+                <a:ea typeface="Open Sans" panose="020B0606030504020204" pitchFamily="34" charset="0"/>
+                <a:cs typeface="Open Sans" panose="020B0606030504020204" pitchFamily="34" charset="0"/>
+              </a:rPr>
+              <a:t>7</a:t>
+            </a:r>
+            <a:r>
+              <a:rPr lang="en-US" dirty="0">
+                <a:latin typeface="Open Sans" panose="020B0606030504020204" pitchFamily="34" charset="0"/>
+                <a:ea typeface="Open Sans" panose="020B0606030504020204" pitchFamily="34" charset="0"/>
+                <a:cs typeface="Open Sans" panose="020B0606030504020204" pitchFamily="34" charset="0"/>
+              </a:rPr>
+              <a:t>&amp;bbox=-</a:t>
+            </a:r>
+            <a:r>
+              <a:rPr lang="en-US" b="1" dirty="0">
+                <a:latin typeface="Open Sans" panose="020B0606030504020204" pitchFamily="34" charset="0"/>
+                <a:ea typeface="Open Sans" panose="020B0606030504020204" pitchFamily="34" charset="0"/>
+                <a:cs typeface="Open Sans" panose="020B0606030504020204" pitchFamily="34" charset="0"/>
+              </a:rPr>
+              <a:t>13545324.217514684%2C4611867.454746921%2C-13543685.598720958%2C4612972.208671261</a:t>
+            </a:r>
+            <a:r>
+              <a:rPr lang="en-US" dirty="0">
+                <a:latin typeface="Open Sans" panose="020B0606030504020204" pitchFamily="34" charset="0"/>
+                <a:ea typeface="Open Sans" panose="020B0606030504020204" pitchFamily="34" charset="0"/>
+                <a:cs typeface="Open Sans" panose="020B0606030504020204" pitchFamily="34" charset="0"/>
+              </a:rPr>
+              <a:t>&amp;bboxSR=</a:t>
+            </a:r>
+            <a:r>
+              <a:rPr lang="en-US" b="1" dirty="0">
+                <a:latin typeface="Open Sans" panose="020B0606030504020204" pitchFamily="34" charset="0"/>
+                <a:ea typeface="Open Sans" panose="020B0606030504020204" pitchFamily="34" charset="0"/>
+                <a:cs typeface="Open Sans" panose="020B0606030504020204" pitchFamily="34" charset="0"/>
+              </a:rPr>
+              <a:t>102100</a:t>
+            </a:r>
+            <a:r>
+              <a:rPr lang="en-US" dirty="0">
+                <a:latin typeface="Open Sans" panose="020B0606030504020204" pitchFamily="34" charset="0"/>
+                <a:ea typeface="Open Sans" panose="020B0606030504020204" pitchFamily="34" charset="0"/>
+                <a:cs typeface="Open Sans" panose="020B0606030504020204" pitchFamily="34" charset="0"/>
+              </a:rPr>
+              <a:t>&amp;imageSR=102100&amp;size=</a:t>
+            </a:r>
+            <a:r>
+              <a:rPr lang="en-US" b="1" dirty="0">
+                <a:latin typeface="Open Sans" panose="020B0606030504020204" pitchFamily="34" charset="0"/>
+                <a:ea typeface="Open Sans" panose="020B0606030504020204" pitchFamily="34" charset="0"/>
+                <a:cs typeface="Open Sans" panose="020B0606030504020204" pitchFamily="34" charset="0"/>
+              </a:rPr>
+              <a:t>1372%2C925</a:t>
+            </a:r>
+            <a:r>
+              <a:rPr lang="en-US" dirty="0">
+                <a:latin typeface="Open Sans" panose="020B0606030504020204" pitchFamily="34" charset="0"/>
+                <a:ea typeface="Open Sans" panose="020B0606030504020204" pitchFamily="34" charset="0"/>
+                <a:cs typeface="Open Sans" panose="020B0606030504020204" pitchFamily="34" charset="0"/>
+              </a:rPr>
+              <a:t>&amp;f=image</a:t>
+            </a:r>
+            <a:endParaRPr lang="en-US" dirty="0" smtClean="0">
+              <a:latin typeface="Open Sans" panose="020B0606030504020204" pitchFamily="34" charset="0"/>
+              <a:ea typeface="Open Sans" panose="020B0606030504020204" pitchFamily="34" charset="0"/>
+              <a:cs typeface="Open Sans" panose="020B0606030504020204" pitchFamily="34" charset="0"/>
+            </a:endParaRPr>
+          </a:p>
+        </p:txBody>
+      </p:sp>
+    </p:spTree>
+    <p:extLst>
+      <p:ext uri="{BB962C8B-B14F-4D97-AF65-F5344CB8AC3E}">
+        <p14:creationId xmlns:p14="http://schemas.microsoft.com/office/powerpoint/2010/main" val="4075651847"/>
+      </p:ext>
+    </p:extLst>
+  </p:cSld>
+  <p:clrMapOvr>
+    <a:masterClrMapping/>
+  </p:clrMapOvr>
+  <p:timing>
+    <p:tnLst>
+      <p:par>
+        <p:cTn id="1" dur="indefinite" restart="never" nodeType="tmRoot"/>
+      </p:par>
+    </p:tnLst>
+  </p:timing>
+</p:sld>
+</file>
+
+<file path=ppt/slides/slide21.xml><?xml version="1.0" encoding="utf-8"?>
+<p:sld xmlns:a="http://schemas.openxmlformats.org/drawingml/2006/main" xmlns:r="http://schemas.openxmlformats.org/officeDocument/2006/relationships" xmlns:p="http://schemas.openxmlformats.org/presentationml/2006/main">
+  <p:cSld>
+    <p:spTree>
+      <p:nvGrpSpPr>
+        <p:cNvPr id="1" name=""/>
+        <p:cNvGrpSpPr/>
+        <p:nvPr/>
+      </p:nvGrpSpPr>
+      <p:grpSpPr>
+        <a:xfrm>
+          <a:off x="0" y="0"/>
+          <a:ext cx="0" cy="0"/>
+          <a:chOff x="0" y="0"/>
+          <a:chExt cx="0" cy="0"/>
+        </a:xfrm>
+      </p:grpSpPr>
+      <p:sp>
+        <p:nvSpPr>
+          <p:cNvPr id="2" name="Title 1"/>
+          <p:cNvSpPr>
+            <a:spLocks noGrp="1"/>
+          </p:cNvSpPr>
+          <p:nvPr>
+            <p:ph type="title"/>
+          </p:nvPr>
+        </p:nvSpPr>
+        <p:spPr>
+          <a:xfrm>
+            <a:off x="609600" y="2819400"/>
+            <a:ext cx="8229600" cy="1143000"/>
+          </a:xfrm>
+        </p:spPr>
+        <p:txBody>
+          <a:bodyPr>
+            <a:normAutofit fontScale="90000"/>
+          </a:bodyPr>
+          <a:lstStyle/>
+          <a:p>
+            <a:r>
+              <a:rPr lang="en-US" sz="4200" dirty="0" smtClean="0">
+                <a:latin typeface="Adobe Fan Heiti Std B" pitchFamily="34" charset="-128"/>
+                <a:ea typeface="Adobe Fan Heiti Std B" pitchFamily="34" charset="-128"/>
+              </a:rPr>
+              <a:t>We can track these parameters to have access to the current image</a:t>
+            </a:r>
+            <a:br>
+              <a:rPr lang="en-US" sz="4200" dirty="0" smtClean="0">
+                <a:latin typeface="Adobe Fan Heiti Std B" pitchFamily="34" charset="-128"/>
+                <a:ea typeface="Adobe Fan Heiti Std B" pitchFamily="34" charset="-128"/>
+              </a:rPr>
+            </a:br>
+            <a:r>
+              <a:rPr lang="en-US" sz="2200" dirty="0" smtClean="0">
+                <a:latin typeface="Adobe Fan Heiti Std B" pitchFamily="34" charset="-128"/>
+                <a:ea typeface="Adobe Fan Heiti Std B" pitchFamily="34" charset="-128"/>
+              </a:rPr>
+              <a:t>(or monkey patch the DMS layer to call our code when it updates)</a:t>
+            </a:r>
+            <a:endParaRPr lang="en-US" sz="2200" dirty="0">
+              <a:latin typeface="Adobe Fan Heiti Std B" pitchFamily="34" charset="-128"/>
+              <a:ea typeface="Adobe Fan Heiti Std B" pitchFamily="34" charset="-128"/>
+            </a:endParaRPr>
+          </a:p>
+        </p:txBody>
+      </p:sp>
+    </p:spTree>
+    <p:extLst>
+      <p:ext uri="{BB962C8B-B14F-4D97-AF65-F5344CB8AC3E}">
+        <p14:creationId xmlns:p14="http://schemas.microsoft.com/office/powerpoint/2010/main" val="734697156"/>
+      </p:ext>
+    </p:extLst>
+  </p:cSld>
+  <p:clrMapOvr>
+    <a:masterClrMapping/>
+  </p:clrMapOvr>
+  <p:timing>
+    <p:tnLst>
+      <p:par>
+        <p:cTn id="1" dur="indefinite" restart="never" nodeType="tmRoot"/>
+      </p:par>
+    </p:tnLst>
+  </p:timing>
+</p:sld>
+</file>
+
+<file path=ppt/slides/slide22.xml><?xml version="1.0" encoding="utf-8"?>
+<p:sld xmlns:a="http://schemas.openxmlformats.org/drawingml/2006/main" xmlns:r="http://schemas.openxmlformats.org/officeDocument/2006/relationships" xmlns:p="http://schemas.openxmlformats.org/presentationml/2006/main">
+  <p:cSld>
+    <p:spTree>
+      <p:nvGrpSpPr>
+        <p:cNvPr id="1" name=""/>
+        <p:cNvGrpSpPr/>
+        <p:nvPr/>
+      </p:nvGrpSpPr>
+      <p:grpSpPr>
+        <a:xfrm>
+          <a:off x="0" y="0"/>
+          <a:ext cx="0" cy="0"/>
+          <a:chOff x="0" y="0"/>
+          <a:chExt cx="0" cy="0"/>
+        </a:xfrm>
+      </p:grpSpPr>
+      <p:sp>
+        <p:nvSpPr>
+          <p:cNvPr id="2" name="Title 1"/>
+          <p:cNvSpPr>
+            <a:spLocks noGrp="1"/>
+          </p:cNvSpPr>
+          <p:nvPr>
+            <p:ph type="title"/>
+          </p:nvPr>
+        </p:nvSpPr>
+        <p:spPr>
+          <a:xfrm>
+            <a:off x="457200" y="457200"/>
+            <a:ext cx="8229600" cy="1143000"/>
+          </a:xfrm>
+        </p:spPr>
+        <p:txBody>
+          <a:bodyPr>
+            <a:normAutofit/>
+          </a:bodyPr>
+          <a:lstStyle/>
+          <a:p>
+            <a:r>
+              <a:rPr lang="en-US" sz="4200" dirty="0" smtClean="0">
+                <a:latin typeface="Adobe Fan Heiti Std B" pitchFamily="34" charset="-128"/>
+                <a:ea typeface="Adobe Fan Heiti Std B" pitchFamily="34" charset="-128"/>
+              </a:rPr>
+              <a:t>What do we do with the image?</a:t>
+            </a:r>
+            <a:endParaRPr lang="en-US" sz="4200" dirty="0">
+              <a:latin typeface="Adobe Fan Heiti Std B" pitchFamily="34" charset="-128"/>
+              <a:ea typeface="Adobe Fan Heiti Std B" pitchFamily="34" charset="-128"/>
+            </a:endParaRPr>
+          </a:p>
+        </p:txBody>
+      </p:sp>
+      <p:sp>
+        <p:nvSpPr>
+          <p:cNvPr id="3" name="Content Placeholder 2"/>
+          <p:cNvSpPr>
+            <a:spLocks noGrp="1"/>
+          </p:cNvSpPr>
+          <p:nvPr>
+            <p:ph idx="1"/>
+          </p:nvPr>
+        </p:nvSpPr>
+        <p:spPr/>
+        <p:txBody>
+          <a:bodyPr>
+            <a:normAutofit/>
+          </a:bodyPr>
+          <a:lstStyle/>
+          <a:p>
+            <a:r>
+              <a:rPr lang="en-US" dirty="0" smtClean="0">
+                <a:latin typeface="Open Sans" panose="020B0606030504020204" pitchFamily="34" charset="0"/>
+                <a:ea typeface="Open Sans" panose="020B0606030504020204" pitchFamily="34" charset="0"/>
+                <a:cs typeface="Open Sans" panose="020B0606030504020204" pitchFamily="34" charset="0"/>
+              </a:rPr>
+              <a:t>…Canvas!</a:t>
+            </a:r>
+          </a:p>
+        </p:txBody>
+      </p:sp>
+    </p:spTree>
+    <p:extLst>
+      <p:ext uri="{BB962C8B-B14F-4D97-AF65-F5344CB8AC3E}">
+        <p14:creationId xmlns:p14="http://schemas.microsoft.com/office/powerpoint/2010/main" val="3486664098"/>
+      </p:ext>
+    </p:extLst>
+  </p:cSld>
+  <p:clrMapOvr>
+    <a:masterClrMapping/>
+  </p:clrMapOvr>
+  <p:timing>
+    <p:tnLst>
+      <p:par>
+        <p:cTn id="1" dur="indefinite" restart="never" nodeType="tmRoot"/>
+      </p:par>
+    </p:tnLst>
+  </p:timing>
+</p:sld>
+</file>
+
+<file path=ppt/slides/slide23.xml><?xml version="1.0" encoding="utf-8"?>
+<p:sld xmlns:a="http://schemas.openxmlformats.org/drawingml/2006/main" xmlns:r="http://schemas.openxmlformats.org/officeDocument/2006/relationships" xmlns:p="http://schemas.openxmlformats.org/presentationml/2006/main">
+  <p:cSld>
+    <p:spTree>
+      <p:nvGrpSpPr>
+        <p:cNvPr id="1" name=""/>
+        <p:cNvGrpSpPr/>
+        <p:nvPr/>
+      </p:nvGrpSpPr>
+      <p:grpSpPr>
+        <a:xfrm>
+          <a:off x="0" y="0"/>
+          <a:ext cx="0" cy="0"/>
+          <a:chOff x="0" y="0"/>
+          <a:chExt cx="0" cy="0"/>
+        </a:xfrm>
+      </p:grpSpPr>
+      <p:sp>
+        <p:nvSpPr>
+          <p:cNvPr id="2" name="Title 1"/>
+          <p:cNvSpPr>
+            <a:spLocks noGrp="1"/>
+          </p:cNvSpPr>
+          <p:nvPr>
+            <p:ph type="title"/>
+          </p:nvPr>
+        </p:nvSpPr>
+        <p:spPr>
+          <a:xfrm>
+            <a:off x="457200" y="457200"/>
+            <a:ext cx="8229600" cy="1143000"/>
+          </a:xfrm>
+        </p:spPr>
+        <p:txBody>
+          <a:bodyPr>
+            <a:normAutofit/>
+          </a:bodyPr>
+          <a:lstStyle/>
+          <a:p>
+            <a:r>
+              <a:rPr lang="en-US" sz="4200" dirty="0" smtClean="0">
+                <a:latin typeface="Adobe Fan Heiti Std B" pitchFamily="34" charset="-128"/>
+                <a:ea typeface="Adobe Fan Heiti Std B" pitchFamily="34" charset="-128"/>
+              </a:rPr>
+              <a:t>What do we do with the image?</a:t>
+            </a:r>
+            <a:endParaRPr lang="en-US" sz="4200" dirty="0">
+              <a:latin typeface="Adobe Fan Heiti Std B" pitchFamily="34" charset="-128"/>
+              <a:ea typeface="Adobe Fan Heiti Std B" pitchFamily="34" charset="-128"/>
+            </a:endParaRPr>
+          </a:p>
+        </p:txBody>
+      </p:sp>
+      <p:sp>
+        <p:nvSpPr>
+          <p:cNvPr id="3" name="Content Placeholder 2"/>
+          <p:cNvSpPr>
+            <a:spLocks noGrp="1"/>
+          </p:cNvSpPr>
+          <p:nvPr>
+            <p:ph idx="1"/>
+          </p:nvPr>
+        </p:nvSpPr>
+        <p:spPr/>
+        <p:txBody>
+          <a:bodyPr>
+            <a:normAutofit/>
+          </a:bodyPr>
+          <a:lstStyle/>
+          <a:p>
+            <a:r>
+              <a:rPr lang="en-US" dirty="0" smtClean="0">
+                <a:latin typeface="Open Sans" panose="020B0606030504020204" pitchFamily="34" charset="0"/>
+                <a:ea typeface="Open Sans" panose="020B0606030504020204" pitchFamily="34" charset="0"/>
+                <a:cs typeface="Open Sans" panose="020B0606030504020204" pitchFamily="34" charset="0"/>
+              </a:rPr>
+              <a:t>…Canvas!</a:t>
+            </a:r>
+          </a:p>
+          <a:p>
+            <a:pPr marL="0" indent="0">
+              <a:buNone/>
+            </a:pPr>
+            <a:endParaRPr lang="en-US" dirty="0" smtClean="0">
+              <a:latin typeface="Open Sans" panose="020B0606030504020204" pitchFamily="34" charset="0"/>
+              <a:ea typeface="Open Sans" panose="020B0606030504020204" pitchFamily="34" charset="0"/>
+              <a:cs typeface="Open Sans" panose="020B0606030504020204" pitchFamily="34" charset="0"/>
+            </a:endParaRPr>
+          </a:p>
+          <a:p>
+            <a:r>
+              <a:rPr lang="en-US" dirty="0" smtClean="0">
+                <a:latin typeface="Open Sans" panose="020B0606030504020204" pitchFamily="34" charset="0"/>
+                <a:ea typeface="Open Sans" panose="020B0606030504020204" pitchFamily="34" charset="0"/>
+                <a:cs typeface="Open Sans" panose="020B0606030504020204" pitchFamily="34" charset="0"/>
+              </a:rPr>
+              <a:t>Get a 2d context and call </a:t>
+            </a:r>
+          </a:p>
+          <a:p>
+            <a:pPr marL="0" indent="0">
+              <a:buNone/>
+            </a:pPr>
+            <a:r>
+              <a:rPr lang="en-US" sz="2800" b="1" dirty="0" err="1">
+                <a:latin typeface="Courier" pitchFamily="49" charset="0"/>
+                <a:ea typeface="Open Sans" panose="020B0606030504020204" pitchFamily="34" charset="0"/>
+                <a:cs typeface="Open Sans" panose="020B0606030504020204" pitchFamily="34" charset="0"/>
+              </a:rPr>
+              <a:t>context.drawImage</a:t>
+            </a:r>
+            <a:r>
+              <a:rPr lang="en-US" sz="2800" b="1" dirty="0">
+                <a:latin typeface="Courier" pitchFamily="49" charset="0"/>
+                <a:ea typeface="Open Sans" panose="020B0606030504020204" pitchFamily="34" charset="0"/>
+                <a:cs typeface="Open Sans" panose="020B0606030504020204" pitchFamily="34" charset="0"/>
+              </a:rPr>
+              <a:t>(rasterPng,0,0)</a:t>
+            </a:r>
+          </a:p>
+          <a:p>
+            <a:pPr marL="0" indent="0">
+              <a:buNone/>
+            </a:pPr>
+            <a:endParaRPr lang="en-US" dirty="0" smtClean="0">
+              <a:latin typeface="Open Sans" panose="020B0606030504020204" pitchFamily="34" charset="0"/>
+              <a:ea typeface="Open Sans" panose="020B0606030504020204" pitchFamily="34" charset="0"/>
+              <a:cs typeface="Open Sans" panose="020B0606030504020204" pitchFamily="34" charset="0"/>
+            </a:endParaRPr>
+          </a:p>
+        </p:txBody>
+      </p:sp>
+    </p:spTree>
+    <p:extLst>
+      <p:ext uri="{BB962C8B-B14F-4D97-AF65-F5344CB8AC3E}">
+        <p14:creationId xmlns:p14="http://schemas.microsoft.com/office/powerpoint/2010/main" val="2916718073"/>
+      </p:ext>
+    </p:extLst>
+  </p:cSld>
+  <p:clrMapOvr>
+    <a:masterClrMapping/>
+  </p:clrMapOvr>
+  <p:timing>
+    <p:tnLst>
+      <p:par>
+        <p:cTn id="1" dur="indefinite" restart="never" nodeType="tmRoot"/>
+      </p:par>
+    </p:tnLst>
+  </p:timing>
+</p:sld>
+</file>
+
+<file path=ppt/slides/slide24.xml><?xml version="1.0" encoding="utf-8"?>
+<p:sld xmlns:a="http://schemas.openxmlformats.org/drawingml/2006/main" xmlns:r="http://schemas.openxmlformats.org/officeDocument/2006/relationships" xmlns:p="http://schemas.openxmlformats.org/presentationml/2006/main">
+  <p:cSld>
+    <p:spTree>
+      <p:nvGrpSpPr>
+        <p:cNvPr id="1" name=""/>
+        <p:cNvGrpSpPr/>
+        <p:nvPr/>
+      </p:nvGrpSpPr>
+      <p:grpSpPr>
+        <a:xfrm>
+          <a:off x="0" y="0"/>
+          <a:ext cx="0" cy="0"/>
+          <a:chOff x="0" y="0"/>
+          <a:chExt cx="0" cy="0"/>
+        </a:xfrm>
+      </p:grpSpPr>
+      <p:sp>
+        <p:nvSpPr>
+          <p:cNvPr id="2" name="Title 1"/>
+          <p:cNvSpPr>
+            <a:spLocks noGrp="1"/>
+          </p:cNvSpPr>
+          <p:nvPr>
+            <p:ph type="title"/>
+          </p:nvPr>
+        </p:nvSpPr>
+        <p:spPr>
+          <a:xfrm>
+            <a:off x="457200" y="457200"/>
+            <a:ext cx="8229600" cy="1143000"/>
+          </a:xfrm>
+        </p:spPr>
+        <p:txBody>
+          <a:bodyPr>
+            <a:normAutofit/>
+          </a:bodyPr>
+          <a:lstStyle/>
+          <a:p>
+            <a:r>
+              <a:rPr lang="en-US" sz="4200" dirty="0" smtClean="0">
+                <a:latin typeface="Adobe Fan Heiti Std B" pitchFamily="34" charset="-128"/>
+                <a:ea typeface="Adobe Fan Heiti Std B" pitchFamily="34" charset="-128"/>
+              </a:rPr>
+              <a:t>What do we do with the image?</a:t>
+            </a:r>
+            <a:endParaRPr lang="en-US" sz="4200" dirty="0">
+              <a:latin typeface="Adobe Fan Heiti Std B" pitchFamily="34" charset="-128"/>
+              <a:ea typeface="Adobe Fan Heiti Std B" pitchFamily="34" charset="-128"/>
+            </a:endParaRPr>
+          </a:p>
+        </p:txBody>
+      </p:sp>
+      <p:sp>
+        <p:nvSpPr>
+          <p:cNvPr id="3" name="Content Placeholder 2"/>
+          <p:cNvSpPr>
+            <a:spLocks noGrp="1"/>
+          </p:cNvSpPr>
+          <p:nvPr>
+            <p:ph idx="1"/>
+          </p:nvPr>
+        </p:nvSpPr>
+        <p:spPr/>
+        <p:txBody>
+          <a:bodyPr>
+            <a:normAutofit/>
+          </a:bodyPr>
+          <a:lstStyle/>
+          <a:p>
+            <a:r>
+              <a:rPr lang="en-US" dirty="0" smtClean="0">
+                <a:latin typeface="Open Sans" panose="020B0606030504020204" pitchFamily="34" charset="0"/>
+                <a:ea typeface="Open Sans" panose="020B0606030504020204" pitchFamily="34" charset="0"/>
+                <a:cs typeface="Open Sans" panose="020B0606030504020204" pitchFamily="34" charset="0"/>
+              </a:rPr>
+              <a:t>…Canvas!</a:t>
+            </a:r>
+          </a:p>
+          <a:p>
+            <a:pPr marL="0" indent="0">
+              <a:buNone/>
+            </a:pPr>
+            <a:endParaRPr lang="en-US" dirty="0" smtClean="0">
+              <a:latin typeface="Open Sans" panose="020B0606030504020204" pitchFamily="34" charset="0"/>
+              <a:ea typeface="Open Sans" panose="020B0606030504020204" pitchFamily="34" charset="0"/>
+              <a:cs typeface="Open Sans" panose="020B0606030504020204" pitchFamily="34" charset="0"/>
+            </a:endParaRPr>
+          </a:p>
+          <a:p>
+            <a:r>
+              <a:rPr lang="en-US" dirty="0" smtClean="0">
+                <a:latin typeface="Open Sans" panose="020B0606030504020204" pitchFamily="34" charset="0"/>
+                <a:ea typeface="Open Sans" panose="020B0606030504020204" pitchFamily="34" charset="0"/>
+                <a:cs typeface="Open Sans" panose="020B0606030504020204" pitchFamily="34" charset="0"/>
+              </a:rPr>
+              <a:t>Get a 2d context and call </a:t>
+            </a:r>
+          </a:p>
+          <a:p>
+            <a:pPr marL="0" indent="0">
+              <a:buNone/>
+            </a:pPr>
+            <a:r>
+              <a:rPr lang="en-US" sz="2800" b="1" dirty="0" err="1">
+                <a:latin typeface="Courier" pitchFamily="49" charset="0"/>
+                <a:ea typeface="Open Sans" panose="020B0606030504020204" pitchFamily="34" charset="0"/>
+                <a:cs typeface="Open Sans" panose="020B0606030504020204" pitchFamily="34" charset="0"/>
+              </a:rPr>
+              <a:t>context.drawImage</a:t>
+            </a:r>
+            <a:r>
+              <a:rPr lang="en-US" sz="2800" b="1" dirty="0">
+                <a:latin typeface="Courier" pitchFamily="49" charset="0"/>
+                <a:ea typeface="Open Sans" panose="020B0606030504020204" pitchFamily="34" charset="0"/>
+                <a:cs typeface="Open Sans" panose="020B0606030504020204" pitchFamily="34" charset="0"/>
+              </a:rPr>
+              <a:t>(rasterPng,0,0)</a:t>
+            </a:r>
+          </a:p>
+          <a:p>
+            <a:endParaRPr lang="en-US" dirty="0" smtClean="0">
+              <a:latin typeface="Open Sans" panose="020B0606030504020204" pitchFamily="34" charset="0"/>
+              <a:ea typeface="Open Sans" panose="020B0606030504020204" pitchFamily="34" charset="0"/>
+              <a:cs typeface="Open Sans" panose="020B0606030504020204" pitchFamily="34" charset="0"/>
+            </a:endParaRPr>
+          </a:p>
+          <a:p>
+            <a:r>
+              <a:rPr lang="en-US" dirty="0" smtClean="0">
+                <a:latin typeface="Open Sans" panose="020B0606030504020204" pitchFamily="34" charset="0"/>
+                <a:ea typeface="Open Sans" panose="020B0606030504020204" pitchFamily="34" charset="0"/>
+                <a:cs typeface="Open Sans" panose="020B0606030504020204" pitchFamily="34" charset="0"/>
+              </a:rPr>
+              <a:t>For any </a:t>
+            </a:r>
+            <a:r>
+              <a:rPr lang="en-US" dirty="0" err="1" smtClean="0">
+                <a:latin typeface="Open Sans" panose="020B0606030504020204" pitchFamily="34" charset="0"/>
+                <a:ea typeface="Open Sans" panose="020B0606030504020204" pitchFamily="34" charset="0"/>
+                <a:cs typeface="Open Sans" panose="020B0606030504020204" pitchFamily="34" charset="0"/>
+              </a:rPr>
+              <a:t>x,y</a:t>
+            </a:r>
+            <a:r>
+              <a:rPr lang="en-US" dirty="0" smtClean="0">
+                <a:latin typeface="Open Sans" panose="020B0606030504020204" pitchFamily="34" charset="0"/>
+                <a:ea typeface="Open Sans" panose="020B0606030504020204" pitchFamily="34" charset="0"/>
+                <a:cs typeface="Open Sans" panose="020B0606030504020204" pitchFamily="34" charset="0"/>
+              </a:rPr>
+              <a:t> point can get pixel value with</a:t>
+            </a:r>
+          </a:p>
+          <a:p>
+            <a:pPr marL="0" indent="0">
+              <a:buNone/>
+            </a:pPr>
+            <a:r>
+              <a:rPr lang="en-US" sz="3000" b="1" dirty="0" err="1" smtClean="0">
+                <a:latin typeface="Courier" pitchFamily="49" charset="0"/>
+                <a:ea typeface="Open Sans" panose="020B0606030504020204" pitchFamily="34" charset="0"/>
+                <a:cs typeface="Open Sans" panose="020B0606030504020204" pitchFamily="34" charset="0"/>
+              </a:rPr>
+              <a:t>context.getImageData</a:t>
+            </a:r>
+            <a:r>
+              <a:rPr lang="en-US" sz="3000" b="1" dirty="0" smtClean="0">
+                <a:latin typeface="Courier" pitchFamily="49" charset="0"/>
+                <a:ea typeface="Open Sans" panose="020B0606030504020204" pitchFamily="34" charset="0"/>
+                <a:cs typeface="Open Sans" panose="020B0606030504020204" pitchFamily="34" charset="0"/>
+              </a:rPr>
+              <a:t>(x,y,1,1)</a:t>
+            </a:r>
+          </a:p>
+        </p:txBody>
+      </p:sp>
+    </p:spTree>
+    <p:extLst>
+      <p:ext uri="{BB962C8B-B14F-4D97-AF65-F5344CB8AC3E}">
+        <p14:creationId xmlns:p14="http://schemas.microsoft.com/office/powerpoint/2010/main" val="2690037718"/>
+      </p:ext>
+    </p:extLst>
+  </p:cSld>
+  <p:clrMapOvr>
+    <a:masterClrMapping/>
+  </p:clrMapOvr>
+  <p:timing>
+    <p:tnLst>
+      <p:par>
+        <p:cTn id="1" dur="indefinite" restart="never" nodeType="tmRoot"/>
+      </p:par>
+    </p:tnLst>
+  </p:timing>
+</p:sld>
+</file>
+
+<file path=ppt/slides/slide25.xml><?xml version="1.0" encoding="utf-8"?>
+<p:sld xmlns:a="http://schemas.openxmlformats.org/drawingml/2006/main" xmlns:r="http://schemas.openxmlformats.org/officeDocument/2006/relationships" xmlns:p="http://schemas.openxmlformats.org/presentationml/2006/main">
+  <p:cSld>
+    <p:spTree>
+      <p:nvGrpSpPr>
+        <p:cNvPr id="1" name=""/>
+        <p:cNvGrpSpPr/>
+        <p:nvPr/>
+      </p:nvGrpSpPr>
+      <p:grpSpPr>
+        <a:xfrm>
+          <a:off x="0" y="0"/>
+          <a:ext cx="0" cy="0"/>
+          <a:chOff x="0" y="0"/>
+          <a:chExt cx="0" cy="0"/>
+        </a:xfrm>
+      </p:grpSpPr>
+      <p:sp>
+        <p:nvSpPr>
+          <p:cNvPr id="2" name="Title 1"/>
+          <p:cNvSpPr>
+            <a:spLocks noGrp="1"/>
+          </p:cNvSpPr>
+          <p:nvPr>
+            <p:ph type="title"/>
+          </p:nvPr>
+        </p:nvSpPr>
+        <p:spPr>
+          <a:xfrm>
+            <a:off x="457200" y="457200"/>
+            <a:ext cx="8229600" cy="1143000"/>
+          </a:xfrm>
+        </p:spPr>
+        <p:txBody>
+          <a:bodyPr>
+            <a:normAutofit/>
+          </a:bodyPr>
+          <a:lstStyle/>
+          <a:p>
+            <a:r>
+              <a:rPr lang="en-US" sz="4200" dirty="0" smtClean="0">
+                <a:latin typeface="Adobe Fan Heiti Std B" pitchFamily="34" charset="-128"/>
+                <a:ea typeface="Adobe Fan Heiti Std B" pitchFamily="34" charset="-128"/>
+              </a:rPr>
+              <a:t>What good is this?</a:t>
+            </a:r>
+            <a:endParaRPr lang="en-US" sz="4200" dirty="0">
+              <a:latin typeface="Adobe Fan Heiti Std B" pitchFamily="34" charset="-128"/>
+              <a:ea typeface="Adobe Fan Heiti Std B" pitchFamily="34" charset="-128"/>
+            </a:endParaRPr>
+          </a:p>
+        </p:txBody>
+      </p:sp>
+      <p:sp>
+        <p:nvSpPr>
+          <p:cNvPr id="3" name="Content Placeholder 2"/>
+          <p:cNvSpPr>
+            <a:spLocks noGrp="1"/>
+          </p:cNvSpPr>
+          <p:nvPr>
+            <p:ph idx="1"/>
+          </p:nvPr>
+        </p:nvSpPr>
+        <p:spPr/>
+        <p:txBody>
+          <a:bodyPr>
+            <a:normAutofit/>
+          </a:bodyPr>
+          <a:lstStyle/>
+          <a:p>
+            <a:endParaRPr lang="en-US" dirty="0" smtClean="0">
+              <a:latin typeface="Open Sans" panose="020B0606030504020204" pitchFamily="34" charset="0"/>
+              <a:ea typeface="Open Sans" panose="020B0606030504020204" pitchFamily="34" charset="0"/>
+              <a:cs typeface="Open Sans" panose="020B0606030504020204" pitchFamily="34" charset="0"/>
+            </a:endParaRPr>
+          </a:p>
+        </p:txBody>
+      </p:sp>
+    </p:spTree>
+    <p:extLst>
+      <p:ext uri="{BB962C8B-B14F-4D97-AF65-F5344CB8AC3E}">
+        <p14:creationId xmlns:p14="http://schemas.microsoft.com/office/powerpoint/2010/main" val="767292415"/>
+      </p:ext>
+    </p:extLst>
+  </p:cSld>
+  <p:clrMapOvr>
+    <a:masterClrMapping/>
+  </p:clrMapOvr>
+  <p:timing>
+    <p:tnLst>
+      <p:par>
+        <p:cTn id="1" dur="indefinite" restart="never" nodeType="tmRoot"/>
+      </p:par>
+    </p:tnLst>
+  </p:timing>
+</p:sld>
+</file>
+
+<file path=ppt/slides/slide26.xml><?xml version="1.0" encoding="utf-8"?>
+<p:sld xmlns:a="http://schemas.openxmlformats.org/drawingml/2006/main" xmlns:r="http://schemas.openxmlformats.org/officeDocument/2006/relationships" xmlns:p="http://schemas.openxmlformats.org/presentationml/2006/main">
+  <p:cSld>
+    <p:spTree>
+      <p:nvGrpSpPr>
+        <p:cNvPr id="1" name=""/>
+        <p:cNvGrpSpPr/>
+        <p:nvPr/>
+      </p:nvGrpSpPr>
+      <p:grpSpPr>
+        <a:xfrm>
+          <a:off x="0" y="0"/>
+          <a:ext cx="0" cy="0"/>
+          <a:chOff x="0" y="0"/>
+          <a:chExt cx="0" cy="0"/>
+        </a:xfrm>
+      </p:grpSpPr>
+      <p:sp>
+        <p:nvSpPr>
+          <p:cNvPr id="2" name="Title 1"/>
+          <p:cNvSpPr>
+            <a:spLocks noGrp="1"/>
+          </p:cNvSpPr>
+          <p:nvPr>
+            <p:ph type="title"/>
+          </p:nvPr>
+        </p:nvSpPr>
+        <p:spPr>
+          <a:xfrm>
+            <a:off x="457200" y="457200"/>
+            <a:ext cx="8229600" cy="1143000"/>
+          </a:xfrm>
+        </p:spPr>
+        <p:txBody>
+          <a:bodyPr>
+            <a:normAutofit/>
+          </a:bodyPr>
+          <a:lstStyle/>
+          <a:p>
+            <a:r>
+              <a:rPr lang="en-US" sz="4200" dirty="0" smtClean="0">
+                <a:latin typeface="Adobe Fan Heiti Std B" pitchFamily="34" charset="-128"/>
+                <a:ea typeface="Adobe Fan Heiti Std B" pitchFamily="34" charset="-128"/>
+              </a:rPr>
+              <a:t>What good is this?</a:t>
+            </a:r>
+            <a:endParaRPr lang="en-US" sz="4200" dirty="0">
+              <a:latin typeface="Adobe Fan Heiti Std B" pitchFamily="34" charset="-128"/>
+              <a:ea typeface="Adobe Fan Heiti Std B" pitchFamily="34" charset="-128"/>
+            </a:endParaRPr>
+          </a:p>
+        </p:txBody>
+      </p:sp>
+      <p:sp>
+        <p:nvSpPr>
+          <p:cNvPr id="3" name="Content Placeholder 2"/>
+          <p:cNvSpPr>
+            <a:spLocks noGrp="1"/>
+          </p:cNvSpPr>
+          <p:nvPr>
+            <p:ph idx="1"/>
+          </p:nvPr>
+        </p:nvSpPr>
+        <p:spPr/>
+        <p:txBody>
+          <a:bodyPr>
+            <a:normAutofit/>
+          </a:bodyPr>
+          <a:lstStyle/>
+          <a:p>
+            <a:r>
+              <a:rPr lang="en-US" dirty="0" smtClean="0">
+                <a:latin typeface="Open Sans" panose="020B0606030504020204" pitchFamily="34" charset="0"/>
+                <a:ea typeface="Open Sans" panose="020B0606030504020204" pitchFamily="34" charset="0"/>
+                <a:cs typeface="Open Sans" panose="020B0606030504020204" pitchFamily="34" charset="0"/>
+              </a:rPr>
+              <a:t>Preprocessing!</a:t>
+            </a:r>
+          </a:p>
+        </p:txBody>
+      </p:sp>
+    </p:spTree>
+    <p:extLst>
+      <p:ext uri="{BB962C8B-B14F-4D97-AF65-F5344CB8AC3E}">
+        <p14:creationId xmlns:p14="http://schemas.microsoft.com/office/powerpoint/2010/main" val="1170939479"/>
+      </p:ext>
+    </p:extLst>
+  </p:cSld>
+  <p:clrMapOvr>
+    <a:masterClrMapping/>
+  </p:clrMapOvr>
+  <p:timing>
+    <p:tnLst>
+      <p:par>
+        <p:cTn id="1" dur="indefinite" restart="never" nodeType="tmRoot"/>
+      </p:par>
+    </p:tnLst>
+  </p:timing>
+</p:sld>
+</file>
+
+<file path=ppt/slides/slide27.xml><?xml version="1.0" encoding="utf-8"?>
+<p:sld xmlns:a="http://schemas.openxmlformats.org/drawingml/2006/main" xmlns:r="http://schemas.openxmlformats.org/officeDocument/2006/relationships" xmlns:p="http://schemas.openxmlformats.org/presentationml/2006/main">
+  <p:cSld>
+    <p:spTree>
+      <p:nvGrpSpPr>
+        <p:cNvPr id="1" name=""/>
+        <p:cNvGrpSpPr/>
+        <p:nvPr/>
+      </p:nvGrpSpPr>
+      <p:grpSpPr>
+        <a:xfrm>
+          <a:off x="0" y="0"/>
+          <a:ext cx="0" cy="0"/>
+          <a:chOff x="0" y="0"/>
+          <a:chExt cx="0" cy="0"/>
+        </a:xfrm>
+      </p:grpSpPr>
+      <p:sp>
+        <p:nvSpPr>
+          <p:cNvPr id="2" name="Title 1"/>
+          <p:cNvSpPr>
+            <a:spLocks noGrp="1"/>
+          </p:cNvSpPr>
+          <p:nvPr>
+            <p:ph type="title"/>
+          </p:nvPr>
+        </p:nvSpPr>
+        <p:spPr>
+          <a:xfrm>
+            <a:off x="457200" y="457200"/>
+            <a:ext cx="8229600" cy="1143000"/>
+          </a:xfrm>
+        </p:spPr>
+        <p:txBody>
+          <a:bodyPr>
+            <a:normAutofit/>
+          </a:bodyPr>
+          <a:lstStyle/>
+          <a:p>
+            <a:r>
+              <a:rPr lang="en-US" sz="4200" dirty="0" smtClean="0">
+                <a:latin typeface="Adobe Fan Heiti Std B" pitchFamily="34" charset="-128"/>
+                <a:ea typeface="Adobe Fan Heiti Std B" pitchFamily="34" charset="-128"/>
+              </a:rPr>
+              <a:t>What good is this?</a:t>
+            </a:r>
+            <a:endParaRPr lang="en-US" sz="4200" dirty="0">
+              <a:latin typeface="Adobe Fan Heiti Std B" pitchFamily="34" charset="-128"/>
+              <a:ea typeface="Adobe Fan Heiti Std B" pitchFamily="34" charset="-128"/>
+            </a:endParaRPr>
+          </a:p>
+        </p:txBody>
+      </p:sp>
+      <p:sp>
+        <p:nvSpPr>
+          <p:cNvPr id="3" name="Content Placeholder 2"/>
+          <p:cNvSpPr>
+            <a:spLocks noGrp="1"/>
+          </p:cNvSpPr>
+          <p:nvPr>
+            <p:ph idx="1"/>
+          </p:nvPr>
+        </p:nvSpPr>
+        <p:spPr/>
+        <p:txBody>
+          <a:bodyPr>
+            <a:normAutofit/>
+          </a:bodyPr>
+          <a:lstStyle/>
+          <a:p>
+            <a:r>
+              <a:rPr lang="en-US" dirty="0" smtClean="0">
+                <a:latin typeface="Open Sans" panose="020B0606030504020204" pitchFamily="34" charset="0"/>
+                <a:ea typeface="Open Sans" panose="020B0606030504020204" pitchFamily="34" charset="0"/>
+                <a:cs typeface="Open Sans" panose="020B0606030504020204" pitchFamily="34" charset="0"/>
+              </a:rPr>
+              <a:t>Preprocessing!</a:t>
+            </a:r>
+          </a:p>
+          <a:p>
+            <a:r>
+              <a:rPr lang="en-US" dirty="0" smtClean="0">
+                <a:latin typeface="Open Sans" panose="020B0606030504020204" pitchFamily="34" charset="0"/>
+                <a:ea typeface="Open Sans" panose="020B0606030504020204" pitchFamily="34" charset="0"/>
+                <a:cs typeface="Open Sans" panose="020B0606030504020204" pitchFamily="34" charset="0"/>
+              </a:rPr>
+              <a:t>Generate a raster with every possible elevation and systematically run identify and </a:t>
+            </a:r>
+            <a:r>
+              <a:rPr lang="en-US" dirty="0" err="1" smtClean="0">
+                <a:latin typeface="Courier" pitchFamily="49" charset="0"/>
+                <a:ea typeface="Open Sans" panose="020B0606030504020204" pitchFamily="34" charset="0"/>
+                <a:cs typeface="Open Sans" panose="020B0606030504020204" pitchFamily="34" charset="0"/>
+              </a:rPr>
+              <a:t>getImageData</a:t>
+            </a:r>
+            <a:r>
+              <a:rPr lang="en-US" dirty="0">
+                <a:latin typeface="Courier" pitchFamily="49" charset="0"/>
+                <a:ea typeface="Open Sans" panose="020B0606030504020204" pitchFamily="34" charset="0"/>
+                <a:cs typeface="Open Sans" panose="020B0606030504020204" pitchFamily="34" charset="0"/>
+              </a:rPr>
+              <a:t> </a:t>
+            </a:r>
+            <a:r>
+              <a:rPr lang="en-US" dirty="0" smtClean="0">
+                <a:latin typeface="Open Sans" panose="020B0606030504020204" pitchFamily="34" charset="0"/>
+                <a:ea typeface="Open Sans" panose="020B0606030504020204" pitchFamily="34" charset="0"/>
+                <a:cs typeface="Open Sans" panose="020B0606030504020204" pitchFamily="34" charset="0"/>
+              </a:rPr>
+              <a:t>calls</a:t>
+            </a:r>
+          </a:p>
+        </p:txBody>
+      </p:sp>
+    </p:spTree>
+    <p:extLst>
+      <p:ext uri="{BB962C8B-B14F-4D97-AF65-F5344CB8AC3E}">
+        <p14:creationId xmlns:p14="http://schemas.microsoft.com/office/powerpoint/2010/main" val="2210199162"/>
+      </p:ext>
+    </p:extLst>
+  </p:cSld>
+  <p:clrMapOvr>
+    <a:masterClrMapping/>
+  </p:clrMapOvr>
+  <p:timing>
+    <p:tnLst>
+      <p:par>
+        <p:cTn id="1" dur="indefinite" restart="never" nodeType="tmRoot"/>
+      </p:par>
+    </p:tnLst>
+  </p:timing>
+</p:sld>
+</file>
+
+<file path=ppt/slides/slide28.xml><?xml version="1.0" encoding="utf-8"?>
+<p:sld xmlns:a="http://schemas.openxmlformats.org/drawingml/2006/main" xmlns:r="http://schemas.openxmlformats.org/officeDocument/2006/relationships" xmlns:p="http://schemas.openxmlformats.org/presentationml/2006/main">
+  <p:cSld>
+    <p:spTree>
+      <p:nvGrpSpPr>
+        <p:cNvPr id="1" name=""/>
+        <p:cNvGrpSpPr/>
+        <p:nvPr/>
+      </p:nvGrpSpPr>
+      <p:grpSpPr>
+        <a:xfrm>
+          <a:off x="0" y="0"/>
+          <a:ext cx="0" cy="0"/>
+          <a:chOff x="0" y="0"/>
+          <a:chExt cx="0" cy="0"/>
+        </a:xfrm>
+      </p:grpSpPr>
+      <p:sp>
+        <p:nvSpPr>
+          <p:cNvPr id="2" name="Title 1"/>
+          <p:cNvSpPr>
+            <a:spLocks noGrp="1"/>
+          </p:cNvSpPr>
+          <p:nvPr>
+            <p:ph type="title"/>
+          </p:nvPr>
+        </p:nvSpPr>
+        <p:spPr>
+          <a:xfrm>
+            <a:off x="457200" y="457200"/>
+            <a:ext cx="8229600" cy="1143000"/>
+          </a:xfrm>
+        </p:spPr>
+        <p:txBody>
+          <a:bodyPr>
+            <a:normAutofit/>
+          </a:bodyPr>
+          <a:lstStyle/>
+          <a:p>
+            <a:r>
+              <a:rPr lang="en-US" sz="4200" dirty="0" smtClean="0">
+                <a:latin typeface="Adobe Fan Heiti Std B" pitchFamily="34" charset="-128"/>
+                <a:ea typeface="Adobe Fan Heiti Std B" pitchFamily="34" charset="-128"/>
+              </a:rPr>
+              <a:t>What good is this?</a:t>
+            </a:r>
+            <a:endParaRPr lang="en-US" sz="4200" dirty="0">
+              <a:latin typeface="Adobe Fan Heiti Std B" pitchFamily="34" charset="-128"/>
+              <a:ea typeface="Adobe Fan Heiti Std B" pitchFamily="34" charset="-128"/>
+            </a:endParaRPr>
+          </a:p>
+        </p:txBody>
+      </p:sp>
+      <p:sp>
+        <p:nvSpPr>
+          <p:cNvPr id="3" name="Content Placeholder 2"/>
+          <p:cNvSpPr>
+            <a:spLocks noGrp="1"/>
+          </p:cNvSpPr>
+          <p:nvPr>
+            <p:ph idx="1"/>
+          </p:nvPr>
+        </p:nvSpPr>
+        <p:spPr/>
+        <p:txBody>
+          <a:bodyPr>
+            <a:normAutofit/>
+          </a:bodyPr>
+          <a:lstStyle/>
+          <a:p>
+            <a:r>
+              <a:rPr lang="en-US" dirty="0" smtClean="0">
+                <a:latin typeface="Open Sans" panose="020B0606030504020204" pitchFamily="34" charset="0"/>
+                <a:ea typeface="Open Sans" panose="020B0606030504020204" pitchFamily="34" charset="0"/>
+                <a:cs typeface="Open Sans" panose="020B0606030504020204" pitchFamily="34" charset="0"/>
+              </a:rPr>
+              <a:t>Preprocessing!</a:t>
+            </a:r>
+          </a:p>
+          <a:p>
+            <a:r>
+              <a:rPr lang="en-US" dirty="0" smtClean="0">
+                <a:latin typeface="Open Sans" panose="020B0606030504020204" pitchFamily="34" charset="0"/>
+                <a:ea typeface="Open Sans" panose="020B0606030504020204" pitchFamily="34" charset="0"/>
+                <a:cs typeface="Open Sans" panose="020B0606030504020204" pitchFamily="34" charset="0"/>
+              </a:rPr>
+              <a:t>Generate a raster with every possible elevation and systematically run identify and </a:t>
+            </a:r>
+            <a:r>
+              <a:rPr lang="en-US" dirty="0" err="1" smtClean="0">
+                <a:latin typeface="Courier" pitchFamily="49" charset="0"/>
+                <a:ea typeface="Open Sans" panose="020B0606030504020204" pitchFamily="34" charset="0"/>
+                <a:cs typeface="Open Sans" panose="020B0606030504020204" pitchFamily="34" charset="0"/>
+              </a:rPr>
+              <a:t>getImageData</a:t>
+            </a:r>
+            <a:r>
+              <a:rPr lang="en-US" dirty="0">
+                <a:latin typeface="Courier" pitchFamily="49" charset="0"/>
+                <a:ea typeface="Open Sans" panose="020B0606030504020204" pitchFamily="34" charset="0"/>
+                <a:cs typeface="Open Sans" panose="020B0606030504020204" pitchFamily="34" charset="0"/>
+              </a:rPr>
+              <a:t> </a:t>
+            </a:r>
+            <a:r>
+              <a:rPr lang="en-US" dirty="0" smtClean="0">
+                <a:latin typeface="Open Sans" panose="020B0606030504020204" pitchFamily="34" charset="0"/>
+                <a:ea typeface="Open Sans" panose="020B0606030504020204" pitchFamily="34" charset="0"/>
+                <a:cs typeface="Open Sans" panose="020B0606030504020204" pitchFamily="34" charset="0"/>
+              </a:rPr>
+              <a:t>calls</a:t>
+            </a:r>
+          </a:p>
+          <a:p>
+            <a:r>
+              <a:rPr lang="en-US" dirty="0" smtClean="0">
+                <a:latin typeface="Open Sans" panose="020B0606030504020204" pitchFamily="34" charset="0"/>
+                <a:ea typeface="Open Sans" panose="020B0606030504020204" pitchFamily="34" charset="0"/>
+                <a:cs typeface="Open Sans" panose="020B0606030504020204" pitchFamily="34" charset="0"/>
+              </a:rPr>
+              <a:t>Map every color in the color ramp to a depth and save in an object</a:t>
+            </a:r>
+          </a:p>
+        </p:txBody>
+      </p:sp>
+    </p:spTree>
+    <p:extLst>
+      <p:ext uri="{BB962C8B-B14F-4D97-AF65-F5344CB8AC3E}">
+        <p14:creationId xmlns:p14="http://schemas.microsoft.com/office/powerpoint/2010/main" val="1560800835"/>
+      </p:ext>
+    </p:extLst>
+  </p:cSld>
+  <p:clrMapOvr>
+    <a:masterClrMapping/>
+  </p:clrMapOvr>
+  <p:timing>
+    <p:tnLst>
+      <p:par>
+        <p:cTn id="1" dur="indefinite" restart="never" nodeType="tmRoot"/>
+      </p:par>
+    </p:tnLst>
+  </p:timing>
+</p:sld>
+</file>
+
+<file path=ppt/slides/slide29.xml><?xml version="1.0" encoding="utf-8"?>
+<p:sld xmlns:a="http://schemas.openxmlformats.org/drawingml/2006/main" xmlns:r="http://schemas.openxmlformats.org/officeDocument/2006/relationships" xmlns:p="http://schemas.openxmlformats.org/presentationml/2006/main">
+  <p:cSld>
+    <p:spTree>
+      <p:nvGrpSpPr>
+        <p:cNvPr id="1" name=""/>
+        <p:cNvGrpSpPr/>
+        <p:nvPr/>
+      </p:nvGrpSpPr>
+      <p:grpSpPr>
+        <a:xfrm>
+          <a:off x="0" y="0"/>
+          <a:ext cx="0" cy="0"/>
+          <a:chOff x="0" y="0"/>
+          <a:chExt cx="0" cy="0"/>
+        </a:xfrm>
+      </p:grpSpPr>
+      <p:sp>
+        <p:nvSpPr>
+          <p:cNvPr id="2" name="Title 1"/>
+          <p:cNvSpPr>
+            <a:spLocks noGrp="1"/>
+          </p:cNvSpPr>
+          <p:nvPr>
+            <p:ph type="title"/>
+          </p:nvPr>
+        </p:nvSpPr>
+        <p:spPr>
+          <a:xfrm>
+            <a:off x="457200" y="4343400"/>
+            <a:ext cx="8229600" cy="1143000"/>
+          </a:xfrm>
+        </p:spPr>
+        <p:txBody>
+          <a:bodyPr>
+            <a:normAutofit fontScale="90000"/>
+          </a:bodyPr>
+          <a:lstStyle/>
+          <a:p>
+            <a:r>
+              <a:rPr lang="en-US" sz="4200" dirty="0" smtClean="0">
+                <a:latin typeface="Adobe Fan Heiti Std B" pitchFamily="34" charset="-128"/>
+                <a:ea typeface="Adobe Fan Heiti Std B" pitchFamily="34" charset="-128"/>
+              </a:rPr>
+              <a:t>To draw a profile, get the start and end </a:t>
+            </a:r>
+            <a:r>
+              <a:rPr lang="en-US" sz="4200" dirty="0" err="1" smtClean="0">
+                <a:latin typeface="Adobe Fan Heiti Std B" pitchFamily="34" charset="-128"/>
+                <a:ea typeface="Adobe Fan Heiti Std B" pitchFamily="34" charset="-128"/>
+              </a:rPr>
+              <a:t>x,y</a:t>
+            </a:r>
+            <a:r>
+              <a:rPr lang="en-US" sz="4200" dirty="0" smtClean="0">
+                <a:latin typeface="Adobe Fan Heiti Std B" pitchFamily="34" charset="-128"/>
+                <a:ea typeface="Adobe Fan Heiti Std B" pitchFamily="34" charset="-128"/>
+              </a:rPr>
+              <a:t> coordinates, generate intermediate coordinates, get the pixel value for each point, and look up its elevation in our color ramp  object.</a:t>
+            </a:r>
+            <a:endParaRPr lang="en-US" sz="4200" dirty="0">
+              <a:latin typeface="Adobe Fan Heiti Std B" pitchFamily="34" charset="-128"/>
+              <a:ea typeface="Adobe Fan Heiti Std B" pitchFamily="34" charset="-128"/>
+            </a:endParaRPr>
+          </a:p>
+        </p:txBody>
+      </p:sp>
+    </p:spTree>
+    <p:extLst>
+      <p:ext uri="{BB962C8B-B14F-4D97-AF65-F5344CB8AC3E}">
+        <p14:creationId xmlns:p14="http://schemas.microsoft.com/office/powerpoint/2010/main" val="1554659182"/>
+      </p:ext>
+    </p:extLst>
+  </p:cSld>
+  <p:clrMapOvr>
+    <a:masterClrMapping/>
+  </p:clrMapOvr>
+  <p:timing>
+    <p:tnLst>
+      <p:par>
+        <p:cTn id="1" dur="indefinite" restart="never" nodeType="tmRoot"/>
+      </p:par>
+    </p:tnLst>
+  </p:timing>
+</p:sld>
+</file>
+
 <file path=ppt/slides/slide3.xml><?xml version="1.0" encoding="utf-8"?>
 <p:sld xmlns:a="http://schemas.openxmlformats.org/drawingml/2006/main" xmlns:r="http://schemas.openxmlformats.org/officeDocument/2006/relationships" xmlns:p="http://schemas.openxmlformats.org/presentationml/2006/main">
   <p:cSld>
@@ -4216,7 +6935,7 @@
 </p:sld>
 </file>
 
-<file path=ppt/slides/slide4.xml><?xml version="1.0" encoding="utf-8"?>
+<file path=ppt/slides/slide30.xml><?xml version="1.0" encoding="utf-8"?>
 <p:sld xmlns:a="http://schemas.openxmlformats.org/drawingml/2006/main" xmlns:r="http://schemas.openxmlformats.org/officeDocument/2006/relationships" xmlns:p="http://schemas.openxmlformats.org/presentationml/2006/main">
   <p:cSld>
     <p:spTree>
@@ -4245,22 +6964,24 @@
         </p:nvSpPr>
         <p:spPr>
           <a:xfrm>
-            <a:off x="533400" y="457200"/>
+            <a:off x="457200" y="457200"/>
             <a:ext cx="8229600" cy="1143000"/>
           </a:xfrm>
         </p:spPr>
         <p:txBody>
-          <a:bodyPr/>
-          <a:lstStyle/>
-          <a:p>
-            <a:r>
-              <a:rPr lang="en-US" dirty="0" smtClean="0">
+          <a:bodyPr>
+            <a:normAutofit/>
+          </a:bodyPr>
+          <a:lstStyle/>
+          <a:p>
+            <a:r>
+              <a:rPr lang="en-US" sz="4200" dirty="0" smtClean="0">
                 <a:latin typeface="Adobe Fan Heiti Std B" pitchFamily="34" charset="-128"/>
                 <a:ea typeface="Adobe Fan Heiti Std B" pitchFamily="34" charset="-128"/>
               </a:rPr>
-              <a:t>Quest for a Profile</a:t>
-            </a:r>
-            <a:endParaRPr lang="en-US" dirty="0">
+              <a:t>Results?</a:t>
+            </a:r>
+            <a:endParaRPr lang="en-US" sz="4200" dirty="0">
               <a:latin typeface="Adobe Fan Heiti Std B" pitchFamily="34" charset="-128"/>
               <a:ea typeface="Adobe Fan Heiti Std B" pitchFamily="34" charset="-128"/>
             </a:endParaRPr>
@@ -4279,65 +7000,46 @@
         </p:nvSpPr>
         <p:spPr/>
         <p:txBody>
-          <a:bodyPr/>
-          <a:lstStyle/>
-          <a:p>
-            <a:pPr marL="0" indent="0">
-              <a:buNone/>
-            </a:pPr>
-            <a:endParaRPr lang="en-US" dirty="0">
-              <a:latin typeface="Open Sans" panose="020B0606030504020204" pitchFamily="34" charset="0"/>
-              <a:ea typeface="Open Sans" panose="020B0606030504020204" pitchFamily="34" charset="0"/>
-              <a:cs typeface="Open Sans" panose="020B0606030504020204" pitchFamily="34" charset="0"/>
-            </a:endParaRPr>
-          </a:p>
-        </p:txBody>
-      </p:sp>
-      <p:pic>
-        <p:nvPicPr>
-          <p:cNvPr id="4098" name="Picture 2" descr="\\pcdistfs1\cdgis\PROJECTS\Bath\Admin\Posters\profile.png"/>
-          <p:cNvPicPr>
-            <a:picLocks noChangeAspect="1" noChangeArrowheads="1"/>
-          </p:cNvPicPr>
-          <p:nvPr/>
-        </p:nvPicPr>
-        <p:blipFill>
-          <a:blip r:embed="rId2">
-            <a:extLst>
-              <a:ext uri="{28A0092B-C50C-407E-A947-70E740481C1C}">
-                <a14:useLocalDpi xmlns:a14="http://schemas.microsoft.com/office/drawing/2010/main" val="0"/>
-              </a:ext>
-            </a:extLst>
-          </a:blip>
-          <a:srcRect/>
-          <a:stretch>
-            <a:fillRect/>
-          </a:stretch>
-        </p:blipFill>
-        <p:spPr bwMode="auto">
-          <a:xfrm>
-            <a:off x="228600" y="1752600"/>
-            <a:ext cx="8657990" cy="5486400"/>
-          </a:xfrm>
-          <a:prstGeom prst="rect">
-            <a:avLst/>
-          </a:prstGeom>
-          <a:noFill/>
-          <a:extLst>
-            <a:ext uri="{909E8E84-426E-40DD-AFC4-6F175D3DCCD1}">
-              <a14:hiddenFill xmlns:a14="http://schemas.microsoft.com/office/drawing/2010/main">
-                <a:solidFill>
-                  <a:srgbClr val="FFFFFF"/>
-                </a:solidFill>
-              </a14:hiddenFill>
-            </a:ext>
-          </a:extLst>
-        </p:spPr>
-      </p:pic>
+          <a:bodyPr>
+            <a:normAutofit/>
+          </a:bodyPr>
+          <a:lstStyle/>
+          <a:p>
+            <a:r>
+              <a:rPr lang="en-US" dirty="0" smtClean="0">
+                <a:latin typeface="Open Sans" panose="020B0606030504020204" pitchFamily="34" charset="0"/>
+                <a:ea typeface="Open Sans" panose="020B0606030504020204" pitchFamily="34" charset="0"/>
+                <a:cs typeface="Open Sans" panose="020B0606030504020204" pitchFamily="34" charset="0"/>
+              </a:rPr>
+              <a:t>Generate profiles 10 – 1000 times faster.</a:t>
+            </a:r>
+          </a:p>
+          <a:p>
+            <a:r>
+              <a:rPr lang="en-US" dirty="0" smtClean="0">
+                <a:latin typeface="Open Sans" panose="020B0606030504020204" pitchFamily="34" charset="0"/>
+                <a:ea typeface="Open Sans" panose="020B0606030504020204" pitchFamily="34" charset="0"/>
+                <a:cs typeface="Open Sans" panose="020B0606030504020204" pitchFamily="34" charset="0"/>
+              </a:rPr>
+              <a:t>Decrease server load and minimum instances</a:t>
+            </a:r>
+          </a:p>
+          <a:p>
+            <a:r>
+              <a:rPr lang="en-US" dirty="0" smtClean="0">
+                <a:latin typeface="Open Sans" panose="020B0606030504020204" pitchFamily="34" charset="0"/>
+                <a:ea typeface="Open Sans" panose="020B0606030504020204" pitchFamily="34" charset="0"/>
+                <a:cs typeface="Open Sans" panose="020B0606030504020204" pitchFamily="34" charset="0"/>
+              </a:rPr>
+              <a:t>Happiness</a:t>
+            </a:r>
+          </a:p>
+        </p:txBody>
+      </p:sp>
     </p:spTree>
     <p:extLst>
       <p:ext uri="{BB962C8B-B14F-4D97-AF65-F5344CB8AC3E}">
-        <p14:creationId xmlns:p14="http://schemas.microsoft.com/office/powerpoint/2010/main" val="1926457803"/>
+        <p14:creationId xmlns:p14="http://schemas.microsoft.com/office/powerpoint/2010/main" val="3079097837"/>
       </p:ext>
     </p:extLst>
   </p:cSld>
@@ -4354,7 +7056,98 @@
 </p:sld>
 </file>
 
-<file path=ppt/slides/slide5.xml><?xml version="1.0" encoding="utf-8"?>
+<file path=ppt/slides/slide31.xml><?xml version="1.0" encoding="utf-8"?>
+<p:sld xmlns:a="http://schemas.openxmlformats.org/drawingml/2006/main" xmlns:r="http://schemas.openxmlformats.org/officeDocument/2006/relationships" xmlns:p="http://schemas.openxmlformats.org/presentationml/2006/main">
+  <p:cSld>
+    <p:spTree>
+      <p:nvGrpSpPr>
+        <p:cNvPr id="1" name=""/>
+        <p:cNvGrpSpPr/>
+        <p:nvPr/>
+      </p:nvGrpSpPr>
+      <p:grpSpPr>
+        <a:xfrm>
+          <a:off x="0" y="0"/>
+          <a:ext cx="0" cy="0"/>
+          <a:chOff x="0" y="0"/>
+          <a:chExt cx="0" cy="0"/>
+        </a:xfrm>
+      </p:grpSpPr>
+      <p:sp>
+        <p:nvSpPr>
+          <p:cNvPr id="2" name="Title 1"/>
+          <p:cNvSpPr>
+            <a:spLocks noGrp="1"/>
+          </p:cNvSpPr>
+          <p:nvPr>
+            <p:ph type="title"/>
+          </p:nvPr>
+        </p:nvSpPr>
+        <p:spPr>
+          <a:xfrm>
+            <a:off x="457200" y="2590800"/>
+            <a:ext cx="8229600" cy="1124712"/>
+          </a:xfrm>
+        </p:spPr>
+        <p:txBody>
+          <a:bodyPr>
+            <a:normAutofit fontScale="90000"/>
+          </a:bodyPr>
+          <a:lstStyle/>
+          <a:p>
+            <a:pPr algn="ctr"/>
+            <a:r>
+              <a:rPr lang="en-US" sz="4200" b="1" dirty="0" smtClean="0">
+                <a:latin typeface="Adobe Fan Heiti Std B" pitchFamily="34" charset="-128"/>
+                <a:ea typeface="Adobe Fan Heiti Std B" pitchFamily="34" charset="-128"/>
+              </a:rPr>
+              <a:t>Thanks!</a:t>
+            </a:r>
+            <a:r>
+              <a:rPr lang="en-US" sz="4200" dirty="0" smtClean="0"/>
+              <a:t/>
+            </a:r>
+            <a:br>
+              <a:rPr lang="en-US" sz="4200" dirty="0" smtClean="0"/>
+            </a:br>
+            <a:r>
+              <a:rPr lang="en-US" sz="4200" dirty="0"/>
+              <a:t/>
+            </a:r>
+            <a:br>
+              <a:rPr lang="en-US" sz="4200" dirty="0"/>
+            </a:br>
+            <a:r>
+              <a:rPr lang="en-US" sz="4200" dirty="0" smtClean="0">
+                <a:latin typeface="Adobe Fan Heiti Std B" pitchFamily="34" charset="-128"/>
+                <a:ea typeface="Adobe Fan Heiti Std B" pitchFamily="34" charset="-128"/>
+              </a:rPr>
+              <a:t>https</a:t>
+            </a:r>
+            <a:r>
+              <a:rPr lang="en-US" sz="4200" dirty="0">
+                <a:latin typeface="Adobe Fan Heiti Std B" pitchFamily="34" charset="-128"/>
+                <a:ea typeface="Adobe Fan Heiti Std B" pitchFamily="34" charset="-128"/>
+              </a:rPr>
+              <a:t>://github.com/wpears/BathCat</a:t>
+            </a:r>
+          </a:p>
+        </p:txBody>
+      </p:sp>
+    </p:spTree>
+    <p:extLst>
+      <p:ext uri="{BB962C8B-B14F-4D97-AF65-F5344CB8AC3E}">
+        <p14:creationId xmlns:p14="http://schemas.microsoft.com/office/powerpoint/2010/main" val="1977598445"/>
+      </p:ext>
+    </p:extLst>
+  </p:cSld>
+  <p:clrMapOvr>
+    <a:masterClrMapping/>
+  </p:clrMapOvr>
+</p:sld>
+</file>
+
+<file path=ppt/slides/slide4.xml><?xml version="1.0" encoding="utf-8"?>
 <p:sld xmlns:a="http://schemas.openxmlformats.org/drawingml/2006/main" xmlns:r="http://schemas.openxmlformats.org/officeDocument/2006/relationships" xmlns:p="http://schemas.openxmlformats.org/presentationml/2006/main">
   <p:cSld>
     <p:spTree>
@@ -4476,6 +7269,720 @@
     <p:extLst>
       <p:ext uri="{BB962C8B-B14F-4D97-AF65-F5344CB8AC3E}">
         <p14:creationId xmlns:p14="http://schemas.microsoft.com/office/powerpoint/2010/main" val="1386177535"/>
+      </p:ext>
+    </p:extLst>
+  </p:cSld>
+  <p:clrMapOvr>
+    <a:masterClrMapping/>
+  </p:clrMapOvr>
+  <p:timing>
+    <p:tnLst>
+      <p:par>
+        <p:cTn id="1" dur="indefinite" restart="never" nodeType="tmRoot"/>
+      </p:par>
+    </p:tnLst>
+  </p:timing>
+</p:sld>
+</file>
+
+<file path=ppt/slides/slide5.xml><?xml version="1.0" encoding="utf-8"?>
+<p:sld xmlns:a="http://schemas.openxmlformats.org/drawingml/2006/main" xmlns:r="http://schemas.openxmlformats.org/officeDocument/2006/relationships" xmlns:p="http://schemas.openxmlformats.org/presentationml/2006/main">
+  <p:cSld>
+    <p:spTree>
+      <p:nvGrpSpPr>
+        <p:cNvPr id="1" name=""/>
+        <p:cNvGrpSpPr/>
+        <p:nvPr/>
+      </p:nvGrpSpPr>
+      <p:grpSpPr>
+        <a:xfrm>
+          <a:off x="0" y="0"/>
+          <a:ext cx="0" cy="0"/>
+          <a:chOff x="0" y="0"/>
+          <a:chExt cx="0" cy="0"/>
+        </a:xfrm>
+      </p:grpSpPr>
+      <p:sp>
+        <p:nvSpPr>
+          <p:cNvPr id="2" name="Title 1"/>
+          <p:cNvSpPr>
+            <a:spLocks noGrp="1"/>
+          </p:cNvSpPr>
+          <p:nvPr>
+            <p:ph type="title"/>
+          </p:nvPr>
+        </p:nvSpPr>
+        <p:spPr>
+          <a:xfrm>
+            <a:off x="533400" y="457200"/>
+            <a:ext cx="8229600" cy="1143000"/>
+          </a:xfrm>
+        </p:spPr>
+        <p:txBody>
+          <a:bodyPr/>
+          <a:lstStyle/>
+          <a:p>
+            <a:r>
+              <a:rPr lang="en-US" dirty="0" smtClean="0">
+                <a:latin typeface="Adobe Fan Heiti Std B" pitchFamily="34" charset="-128"/>
+                <a:ea typeface="Adobe Fan Heiti Std B" pitchFamily="34" charset="-128"/>
+              </a:rPr>
+              <a:t>So... Identify?</a:t>
+            </a:r>
+            <a:endParaRPr lang="en-US" dirty="0">
+              <a:latin typeface="Adobe Fan Heiti Std B" pitchFamily="34" charset="-128"/>
+              <a:ea typeface="Adobe Fan Heiti Std B" pitchFamily="34" charset="-128"/>
+            </a:endParaRPr>
+          </a:p>
+        </p:txBody>
+      </p:sp>
+      <p:sp>
+        <p:nvSpPr>
+          <p:cNvPr id="3" name="Content Placeholder 2"/>
+          <p:cNvSpPr>
+            <a:spLocks noGrp="1"/>
+          </p:cNvSpPr>
+          <p:nvPr>
+            <p:ph idx="1"/>
+          </p:nvPr>
+        </p:nvSpPr>
+        <p:spPr/>
+        <p:txBody>
+          <a:bodyPr/>
+          <a:lstStyle/>
+          <a:p>
+            <a:pPr marL="0" indent="0">
+              <a:buNone/>
+            </a:pPr>
+            <a:endParaRPr lang="en-US" dirty="0">
+              <a:latin typeface="Open Sans" panose="020B0606030504020204" pitchFamily="34" charset="0"/>
+              <a:ea typeface="Open Sans" panose="020B0606030504020204" pitchFamily="34" charset="0"/>
+              <a:cs typeface="Open Sans" panose="020B0606030504020204" pitchFamily="34" charset="0"/>
+            </a:endParaRPr>
+          </a:p>
+        </p:txBody>
+      </p:sp>
+      <p:pic>
+        <p:nvPicPr>
+          <p:cNvPr id="4100" name="Picture 4" descr="\\pcdistfs1\cdgis\PROJECTS\Bath\Admin\Posters\identify.png"/>
+          <p:cNvPicPr>
+            <a:picLocks noChangeAspect="1" noChangeArrowheads="1"/>
+          </p:cNvPicPr>
+          <p:nvPr/>
+        </p:nvPicPr>
+        <p:blipFill>
+          <a:blip r:embed="rId2">
+            <a:extLst>
+              <a:ext uri="{28A0092B-C50C-407E-A947-70E740481C1C}">
+                <a14:useLocalDpi xmlns:a14="http://schemas.microsoft.com/office/drawing/2010/main" val="0"/>
+              </a:ext>
+            </a:extLst>
+          </a:blip>
+          <a:srcRect/>
+          <a:stretch>
+            <a:fillRect/>
+          </a:stretch>
+        </p:blipFill>
+        <p:spPr bwMode="auto">
+          <a:xfrm>
+            <a:off x="1066800" y="1713390"/>
+            <a:ext cx="7236460" cy="5029200"/>
+          </a:xfrm>
+          <a:prstGeom prst="rect">
+            <a:avLst/>
+          </a:prstGeom>
+          <a:noFill/>
+          <a:extLst>
+            <a:ext uri="{909E8E84-426E-40DD-AFC4-6F175D3DCCD1}">
+              <a14:hiddenFill xmlns:a14="http://schemas.microsoft.com/office/drawing/2010/main">
+                <a:solidFill>
+                  <a:srgbClr val="FFFFFF"/>
+                </a:solidFill>
+              </a14:hiddenFill>
+            </a:ext>
+          </a:extLst>
+        </p:spPr>
+      </p:pic>
+    </p:spTree>
+    <p:extLst>
+      <p:ext uri="{BB962C8B-B14F-4D97-AF65-F5344CB8AC3E}">
+        <p14:creationId xmlns:p14="http://schemas.microsoft.com/office/powerpoint/2010/main" val="1926457803"/>
+      </p:ext>
+    </p:extLst>
+  </p:cSld>
+  <p:clrMapOvr>
+    <a:masterClrMapping/>
+  </p:clrMapOvr>
+  <p:timing>
+    <p:tnLst>
+      <p:par>
+        <p:cTn id="1" dur="indefinite" restart="never" nodeType="tmRoot"/>
+      </p:par>
+    </p:tnLst>
+  </p:timing>
+</p:sld>
+</file>
+
+<file path=ppt/slides/slide6.xml><?xml version="1.0" encoding="utf-8"?>
+<p:sld xmlns:a="http://schemas.openxmlformats.org/drawingml/2006/main" xmlns:r="http://schemas.openxmlformats.org/officeDocument/2006/relationships" xmlns:p="http://schemas.openxmlformats.org/presentationml/2006/main">
+  <p:cSld>
+    <p:spTree>
+      <p:nvGrpSpPr>
+        <p:cNvPr id="1" name=""/>
+        <p:cNvGrpSpPr/>
+        <p:nvPr/>
+      </p:nvGrpSpPr>
+      <p:grpSpPr>
+        <a:xfrm>
+          <a:off x="0" y="0"/>
+          <a:ext cx="0" cy="0"/>
+          <a:chOff x="0" y="0"/>
+          <a:chExt cx="0" cy="0"/>
+        </a:xfrm>
+      </p:grpSpPr>
+      <p:sp>
+        <p:nvSpPr>
+          <p:cNvPr id="2" name="Title 1"/>
+          <p:cNvSpPr>
+            <a:spLocks noGrp="1"/>
+          </p:cNvSpPr>
+          <p:nvPr>
+            <p:ph type="title"/>
+          </p:nvPr>
+        </p:nvSpPr>
+        <p:spPr>
+          <a:xfrm>
+            <a:off x="533400" y="457200"/>
+            <a:ext cx="8229600" cy="1143000"/>
+          </a:xfrm>
+        </p:spPr>
+        <p:txBody>
+          <a:bodyPr/>
+          <a:lstStyle/>
+          <a:p>
+            <a:r>
+              <a:rPr lang="en-US" dirty="0" smtClean="0">
+                <a:latin typeface="Adobe Fan Heiti Std B" pitchFamily="34" charset="-128"/>
+                <a:ea typeface="Adobe Fan Heiti Std B" pitchFamily="34" charset="-128"/>
+              </a:rPr>
+              <a:t>So... Identify?</a:t>
+            </a:r>
+            <a:endParaRPr lang="en-US" dirty="0">
+              <a:latin typeface="Adobe Fan Heiti Std B" pitchFamily="34" charset="-128"/>
+              <a:ea typeface="Adobe Fan Heiti Std B" pitchFamily="34" charset="-128"/>
+            </a:endParaRPr>
+          </a:p>
+        </p:txBody>
+      </p:sp>
+      <p:sp>
+        <p:nvSpPr>
+          <p:cNvPr id="3" name="Content Placeholder 2"/>
+          <p:cNvSpPr>
+            <a:spLocks noGrp="1"/>
+          </p:cNvSpPr>
+          <p:nvPr>
+            <p:ph idx="1"/>
+          </p:nvPr>
+        </p:nvSpPr>
+        <p:spPr/>
+        <p:txBody>
+          <a:bodyPr/>
+          <a:lstStyle/>
+          <a:p>
+            <a:r>
+              <a:rPr lang="en-US" dirty="0" smtClean="0">
+                <a:latin typeface="Open Sans" panose="020B0606030504020204" pitchFamily="34" charset="0"/>
+                <a:ea typeface="Open Sans" panose="020B0606030504020204" pitchFamily="34" charset="0"/>
+                <a:cs typeface="Open Sans" panose="020B0606030504020204" pitchFamily="34" charset="0"/>
+              </a:rPr>
+              <a:t>Pass in geometry of query in a given extent</a:t>
+            </a:r>
+          </a:p>
+          <a:p>
+            <a:r>
+              <a:rPr lang="en-US" dirty="0" smtClean="0">
+                <a:latin typeface="Open Sans" panose="020B0606030504020204" pitchFamily="34" charset="0"/>
+                <a:ea typeface="Open Sans" panose="020B0606030504020204" pitchFamily="34" charset="0"/>
+                <a:cs typeface="Open Sans" panose="020B0606030504020204" pitchFamily="34" charset="0"/>
+              </a:rPr>
+              <a:t>What happens with a raster?</a:t>
+            </a:r>
+            <a:endParaRPr lang="en-US" dirty="0">
+              <a:latin typeface="Open Sans" panose="020B0606030504020204" pitchFamily="34" charset="0"/>
+              <a:ea typeface="Open Sans" panose="020B0606030504020204" pitchFamily="34" charset="0"/>
+              <a:cs typeface="Open Sans" panose="020B0606030504020204" pitchFamily="34" charset="0"/>
+            </a:endParaRPr>
+          </a:p>
+        </p:txBody>
+      </p:sp>
+    </p:spTree>
+    <p:extLst>
+      <p:ext uri="{BB962C8B-B14F-4D97-AF65-F5344CB8AC3E}">
+        <p14:creationId xmlns:p14="http://schemas.microsoft.com/office/powerpoint/2010/main" val="2824894171"/>
+      </p:ext>
+    </p:extLst>
+  </p:cSld>
+  <p:clrMapOvr>
+    <a:masterClrMapping/>
+  </p:clrMapOvr>
+  <p:timing>
+    <p:tnLst>
+      <p:par>
+        <p:cTn id="1" dur="indefinite" restart="never" nodeType="tmRoot"/>
+      </p:par>
+    </p:tnLst>
+  </p:timing>
+</p:sld>
+</file>
+
+<file path=ppt/slides/slide7.xml><?xml version="1.0" encoding="utf-8"?>
+<p:sld xmlns:a="http://schemas.openxmlformats.org/drawingml/2006/main" xmlns:r="http://schemas.openxmlformats.org/officeDocument/2006/relationships" xmlns:p="http://schemas.openxmlformats.org/presentationml/2006/main">
+  <p:cSld>
+    <p:spTree>
+      <p:nvGrpSpPr>
+        <p:cNvPr id="1" name=""/>
+        <p:cNvGrpSpPr/>
+        <p:nvPr/>
+      </p:nvGrpSpPr>
+      <p:grpSpPr>
+        <a:xfrm>
+          <a:off x="0" y="0"/>
+          <a:ext cx="0" cy="0"/>
+          <a:chOff x="0" y="0"/>
+          <a:chExt cx="0" cy="0"/>
+        </a:xfrm>
+      </p:grpSpPr>
+      <p:sp>
+        <p:nvSpPr>
+          <p:cNvPr id="2" name="Title 1"/>
+          <p:cNvSpPr>
+            <a:spLocks noGrp="1"/>
+          </p:cNvSpPr>
+          <p:nvPr>
+            <p:ph type="title"/>
+          </p:nvPr>
+        </p:nvSpPr>
+        <p:spPr>
+          <a:xfrm>
+            <a:off x="533400" y="457200"/>
+            <a:ext cx="8229600" cy="1143000"/>
+          </a:xfrm>
+        </p:spPr>
+        <p:txBody>
+          <a:bodyPr/>
+          <a:lstStyle/>
+          <a:p>
+            <a:r>
+              <a:rPr lang="en-US" dirty="0" smtClean="0">
+                <a:latin typeface="Adobe Fan Heiti Std B" pitchFamily="34" charset="-128"/>
+                <a:ea typeface="Adobe Fan Heiti Std B" pitchFamily="34" charset="-128"/>
+              </a:rPr>
+              <a:t>So... Identify?</a:t>
+            </a:r>
+            <a:endParaRPr lang="en-US" dirty="0">
+              <a:latin typeface="Adobe Fan Heiti Std B" pitchFamily="34" charset="-128"/>
+              <a:ea typeface="Adobe Fan Heiti Std B" pitchFamily="34" charset="-128"/>
+            </a:endParaRPr>
+          </a:p>
+        </p:txBody>
+      </p:sp>
+      <p:sp>
+        <p:nvSpPr>
+          <p:cNvPr id="3" name="Content Placeholder 2"/>
+          <p:cNvSpPr>
+            <a:spLocks noGrp="1"/>
+          </p:cNvSpPr>
+          <p:nvPr>
+            <p:ph idx="1"/>
+          </p:nvPr>
+        </p:nvSpPr>
+        <p:spPr/>
+        <p:txBody>
+          <a:bodyPr/>
+          <a:lstStyle/>
+          <a:p>
+            <a:r>
+              <a:rPr lang="en-US" dirty="0" smtClean="0">
+                <a:latin typeface="Open Sans" panose="020B0606030504020204" pitchFamily="34" charset="0"/>
+                <a:ea typeface="Open Sans" panose="020B0606030504020204" pitchFamily="34" charset="0"/>
+                <a:cs typeface="Open Sans" panose="020B0606030504020204" pitchFamily="34" charset="0"/>
+              </a:rPr>
+              <a:t>Pass in geometry of query in a given extent</a:t>
+            </a:r>
+          </a:p>
+          <a:p>
+            <a:r>
+              <a:rPr lang="en-US" dirty="0" smtClean="0">
+                <a:latin typeface="Open Sans" panose="020B0606030504020204" pitchFamily="34" charset="0"/>
+                <a:ea typeface="Open Sans" panose="020B0606030504020204" pitchFamily="34" charset="0"/>
+                <a:cs typeface="Open Sans" panose="020B0606030504020204" pitchFamily="34" charset="0"/>
+              </a:rPr>
+              <a:t>What happens with a point on a raster?</a:t>
+            </a:r>
+          </a:p>
+          <a:p>
+            <a:pPr lvl="1"/>
+            <a:r>
+              <a:rPr lang="en-US" dirty="0" smtClean="0">
+                <a:latin typeface="Open Sans" panose="020B0606030504020204" pitchFamily="34" charset="0"/>
+                <a:ea typeface="Open Sans" panose="020B0606030504020204" pitchFamily="34" charset="0"/>
+                <a:cs typeface="Open Sans" panose="020B0606030504020204" pitchFamily="34" charset="0"/>
+              </a:rPr>
+              <a:t>Pixel value</a:t>
+            </a:r>
+            <a:endParaRPr lang="en-US" dirty="0">
+              <a:latin typeface="Open Sans" panose="020B0606030504020204" pitchFamily="34" charset="0"/>
+              <a:ea typeface="Open Sans" panose="020B0606030504020204" pitchFamily="34" charset="0"/>
+              <a:cs typeface="Open Sans" panose="020B0606030504020204" pitchFamily="34" charset="0"/>
+            </a:endParaRPr>
+          </a:p>
+        </p:txBody>
+      </p:sp>
+    </p:spTree>
+    <p:extLst>
+      <p:ext uri="{BB962C8B-B14F-4D97-AF65-F5344CB8AC3E}">
+        <p14:creationId xmlns:p14="http://schemas.microsoft.com/office/powerpoint/2010/main" val="1971333945"/>
+      </p:ext>
+    </p:extLst>
+  </p:cSld>
+  <p:clrMapOvr>
+    <a:masterClrMapping/>
+  </p:clrMapOvr>
+  <p:timing>
+    <p:tnLst>
+      <p:par>
+        <p:cTn id="1" dur="indefinite" restart="never" nodeType="tmRoot"/>
+      </p:par>
+    </p:tnLst>
+  </p:timing>
+</p:sld>
+</file>
+
+<file path=ppt/slides/slide8.xml><?xml version="1.0" encoding="utf-8"?>
+<p:sld xmlns:a="http://schemas.openxmlformats.org/drawingml/2006/main" xmlns:r="http://schemas.openxmlformats.org/officeDocument/2006/relationships" xmlns:p="http://schemas.openxmlformats.org/presentationml/2006/main">
+  <p:cSld>
+    <p:spTree>
+      <p:nvGrpSpPr>
+        <p:cNvPr id="1" name=""/>
+        <p:cNvGrpSpPr/>
+        <p:nvPr/>
+      </p:nvGrpSpPr>
+      <p:grpSpPr>
+        <a:xfrm>
+          <a:off x="0" y="0"/>
+          <a:ext cx="0" cy="0"/>
+          <a:chOff x="0" y="0"/>
+          <a:chExt cx="0" cy="0"/>
+        </a:xfrm>
+      </p:grpSpPr>
+      <p:sp>
+        <p:nvSpPr>
+          <p:cNvPr id="2" name="Title 1"/>
+          <p:cNvSpPr>
+            <a:spLocks noGrp="1"/>
+          </p:cNvSpPr>
+          <p:nvPr>
+            <p:ph type="title"/>
+          </p:nvPr>
+        </p:nvSpPr>
+        <p:spPr>
+          <a:xfrm>
+            <a:off x="533400" y="457200"/>
+            <a:ext cx="8229600" cy="1143000"/>
+          </a:xfrm>
+        </p:spPr>
+        <p:txBody>
+          <a:bodyPr/>
+          <a:lstStyle/>
+          <a:p>
+            <a:r>
+              <a:rPr lang="en-US" dirty="0" smtClean="0">
+                <a:latin typeface="Adobe Fan Heiti Std B" pitchFamily="34" charset="-128"/>
+                <a:ea typeface="Adobe Fan Heiti Std B" pitchFamily="34" charset="-128"/>
+              </a:rPr>
+              <a:t>So... Identify?</a:t>
+            </a:r>
+            <a:endParaRPr lang="en-US" dirty="0">
+              <a:latin typeface="Adobe Fan Heiti Std B" pitchFamily="34" charset="-128"/>
+              <a:ea typeface="Adobe Fan Heiti Std B" pitchFamily="34" charset="-128"/>
+            </a:endParaRPr>
+          </a:p>
+        </p:txBody>
+      </p:sp>
+      <p:sp>
+        <p:nvSpPr>
+          <p:cNvPr id="3" name="Content Placeholder 2"/>
+          <p:cNvSpPr>
+            <a:spLocks noGrp="1"/>
+          </p:cNvSpPr>
+          <p:nvPr>
+            <p:ph idx="1"/>
+          </p:nvPr>
+        </p:nvSpPr>
+        <p:spPr/>
+        <p:txBody>
+          <a:bodyPr/>
+          <a:lstStyle/>
+          <a:p>
+            <a:r>
+              <a:rPr lang="en-US" dirty="0" smtClean="0">
+                <a:latin typeface="Open Sans" panose="020B0606030504020204" pitchFamily="34" charset="0"/>
+                <a:ea typeface="Open Sans" panose="020B0606030504020204" pitchFamily="34" charset="0"/>
+                <a:cs typeface="Open Sans" panose="020B0606030504020204" pitchFamily="34" charset="0"/>
+              </a:rPr>
+              <a:t>Pass in geometry of query in a given extent</a:t>
+            </a:r>
+          </a:p>
+          <a:p>
+            <a:r>
+              <a:rPr lang="en-US" dirty="0" smtClean="0">
+                <a:latin typeface="Open Sans" panose="020B0606030504020204" pitchFamily="34" charset="0"/>
+                <a:ea typeface="Open Sans" panose="020B0606030504020204" pitchFamily="34" charset="0"/>
+                <a:cs typeface="Open Sans" panose="020B0606030504020204" pitchFamily="34" charset="0"/>
+              </a:rPr>
+              <a:t>What happens with a point on a raster?</a:t>
+            </a:r>
+          </a:p>
+          <a:p>
+            <a:pPr lvl="1"/>
+            <a:r>
+              <a:rPr lang="en-US" dirty="0" smtClean="0">
+                <a:latin typeface="Open Sans" panose="020B0606030504020204" pitchFamily="34" charset="0"/>
+                <a:ea typeface="Open Sans" panose="020B0606030504020204" pitchFamily="34" charset="0"/>
+                <a:cs typeface="Open Sans" panose="020B0606030504020204" pitchFamily="34" charset="0"/>
+              </a:rPr>
+              <a:t>Pixel value</a:t>
+            </a:r>
+          </a:p>
+          <a:p>
+            <a:r>
+              <a:rPr lang="en-US" dirty="0">
+                <a:latin typeface="Open Sans" panose="020B0606030504020204" pitchFamily="34" charset="0"/>
+                <a:ea typeface="Open Sans" panose="020B0606030504020204" pitchFamily="34" charset="0"/>
+                <a:cs typeface="Open Sans" panose="020B0606030504020204" pitchFamily="34" charset="0"/>
+              </a:rPr>
+              <a:t>What happens with a </a:t>
+            </a:r>
+            <a:r>
+              <a:rPr lang="en-US" i="1" dirty="0" smtClean="0">
+                <a:latin typeface="Open Sans" panose="020B0606030504020204" pitchFamily="34" charset="0"/>
+                <a:ea typeface="Open Sans" panose="020B0606030504020204" pitchFamily="34" charset="0"/>
+                <a:cs typeface="Open Sans" panose="020B0606030504020204" pitchFamily="34" charset="0"/>
+              </a:rPr>
+              <a:t>multipoint</a:t>
+            </a:r>
+            <a:r>
+              <a:rPr lang="en-US" dirty="0" smtClean="0">
+                <a:latin typeface="Open Sans" panose="020B0606030504020204" pitchFamily="34" charset="0"/>
+                <a:ea typeface="Open Sans" panose="020B0606030504020204" pitchFamily="34" charset="0"/>
+                <a:cs typeface="Open Sans" panose="020B0606030504020204" pitchFamily="34" charset="0"/>
+              </a:rPr>
+              <a:t> </a:t>
+            </a:r>
+            <a:r>
+              <a:rPr lang="en-US" dirty="0">
+                <a:latin typeface="Open Sans" panose="020B0606030504020204" pitchFamily="34" charset="0"/>
+                <a:ea typeface="Open Sans" panose="020B0606030504020204" pitchFamily="34" charset="0"/>
+                <a:cs typeface="Open Sans" panose="020B0606030504020204" pitchFamily="34" charset="0"/>
+              </a:rPr>
+              <a:t>on a raster</a:t>
+            </a:r>
+            <a:r>
+              <a:rPr lang="en-US" dirty="0" smtClean="0">
+                <a:latin typeface="Open Sans" panose="020B0606030504020204" pitchFamily="34" charset="0"/>
+                <a:ea typeface="Open Sans" panose="020B0606030504020204" pitchFamily="34" charset="0"/>
+                <a:cs typeface="Open Sans" panose="020B0606030504020204" pitchFamily="34" charset="0"/>
+              </a:rPr>
+              <a:t>?</a:t>
+            </a:r>
+            <a:endParaRPr lang="en-US" dirty="0">
+              <a:latin typeface="Open Sans" panose="020B0606030504020204" pitchFamily="34" charset="0"/>
+              <a:ea typeface="Open Sans" panose="020B0606030504020204" pitchFamily="34" charset="0"/>
+              <a:cs typeface="Open Sans" panose="020B0606030504020204" pitchFamily="34" charset="0"/>
+            </a:endParaRPr>
+          </a:p>
+        </p:txBody>
+      </p:sp>
+    </p:spTree>
+    <p:extLst>
+      <p:ext uri="{BB962C8B-B14F-4D97-AF65-F5344CB8AC3E}">
+        <p14:creationId xmlns:p14="http://schemas.microsoft.com/office/powerpoint/2010/main" val="2449232618"/>
+      </p:ext>
+    </p:extLst>
+  </p:cSld>
+  <p:clrMapOvr>
+    <a:masterClrMapping/>
+  </p:clrMapOvr>
+  <p:timing>
+    <p:tnLst>
+      <p:par>
+        <p:cTn id="1" dur="indefinite" restart="never" nodeType="tmRoot"/>
+      </p:par>
+    </p:tnLst>
+  </p:timing>
+</p:sld>
+</file>
+
+<file path=ppt/slides/slide9.xml><?xml version="1.0" encoding="utf-8"?>
+<p:sld xmlns:a="http://schemas.openxmlformats.org/drawingml/2006/main" xmlns:r="http://schemas.openxmlformats.org/officeDocument/2006/relationships" xmlns:p="http://schemas.openxmlformats.org/presentationml/2006/main">
+  <p:cSld>
+    <p:spTree>
+      <p:nvGrpSpPr>
+        <p:cNvPr id="1" name=""/>
+        <p:cNvGrpSpPr/>
+        <p:nvPr/>
+      </p:nvGrpSpPr>
+      <p:grpSpPr>
+        <a:xfrm>
+          <a:off x="0" y="0"/>
+          <a:ext cx="0" cy="0"/>
+          <a:chOff x="0" y="0"/>
+          <a:chExt cx="0" cy="0"/>
+        </a:xfrm>
+      </p:grpSpPr>
+      <p:sp>
+        <p:nvSpPr>
+          <p:cNvPr id="2" name="Title 1"/>
+          <p:cNvSpPr>
+            <a:spLocks noGrp="1"/>
+          </p:cNvSpPr>
+          <p:nvPr>
+            <p:ph type="title"/>
+          </p:nvPr>
+        </p:nvSpPr>
+        <p:spPr>
+          <a:xfrm>
+            <a:off x="533400" y="457200"/>
+            <a:ext cx="8229600" cy="1143000"/>
+          </a:xfrm>
+        </p:spPr>
+        <p:txBody>
+          <a:bodyPr/>
+          <a:lstStyle/>
+          <a:p>
+            <a:r>
+              <a:rPr lang="en-US" dirty="0" smtClean="0">
+                <a:latin typeface="Adobe Fan Heiti Std B" pitchFamily="34" charset="-128"/>
+                <a:ea typeface="Adobe Fan Heiti Std B" pitchFamily="34" charset="-128"/>
+              </a:rPr>
+              <a:t>So... Identify?</a:t>
+            </a:r>
+            <a:endParaRPr lang="en-US" dirty="0">
+              <a:latin typeface="Adobe Fan Heiti Std B" pitchFamily="34" charset="-128"/>
+              <a:ea typeface="Adobe Fan Heiti Std B" pitchFamily="34" charset="-128"/>
+            </a:endParaRPr>
+          </a:p>
+        </p:txBody>
+      </p:sp>
+      <p:sp>
+        <p:nvSpPr>
+          <p:cNvPr id="3" name="Content Placeholder 2"/>
+          <p:cNvSpPr>
+            <a:spLocks noGrp="1"/>
+          </p:cNvSpPr>
+          <p:nvPr>
+            <p:ph idx="1"/>
+          </p:nvPr>
+        </p:nvSpPr>
+        <p:spPr/>
+        <p:txBody>
+          <a:bodyPr/>
+          <a:lstStyle/>
+          <a:p>
+            <a:r>
+              <a:rPr lang="en-US" dirty="0" smtClean="0">
+                <a:latin typeface="Open Sans" panose="020B0606030504020204" pitchFamily="34" charset="0"/>
+                <a:ea typeface="Open Sans" panose="020B0606030504020204" pitchFamily="34" charset="0"/>
+                <a:cs typeface="Open Sans" panose="020B0606030504020204" pitchFamily="34" charset="0"/>
+              </a:rPr>
+              <a:t>Pass in geometry of query in a given extent</a:t>
+            </a:r>
+          </a:p>
+          <a:p>
+            <a:r>
+              <a:rPr lang="en-US" dirty="0" smtClean="0">
+                <a:latin typeface="Open Sans" panose="020B0606030504020204" pitchFamily="34" charset="0"/>
+                <a:ea typeface="Open Sans" panose="020B0606030504020204" pitchFamily="34" charset="0"/>
+                <a:cs typeface="Open Sans" panose="020B0606030504020204" pitchFamily="34" charset="0"/>
+              </a:rPr>
+              <a:t>What happens with a point on a raster?</a:t>
+            </a:r>
+          </a:p>
+          <a:p>
+            <a:pPr lvl="1"/>
+            <a:r>
+              <a:rPr lang="en-US" dirty="0" smtClean="0">
+                <a:latin typeface="Open Sans" panose="020B0606030504020204" pitchFamily="34" charset="0"/>
+                <a:ea typeface="Open Sans" panose="020B0606030504020204" pitchFamily="34" charset="0"/>
+                <a:cs typeface="Open Sans" panose="020B0606030504020204" pitchFamily="34" charset="0"/>
+              </a:rPr>
+              <a:t>Single pixel value</a:t>
+            </a:r>
+          </a:p>
+          <a:p>
+            <a:r>
+              <a:rPr lang="en-US" dirty="0">
+                <a:latin typeface="Open Sans" panose="020B0606030504020204" pitchFamily="34" charset="0"/>
+                <a:ea typeface="Open Sans" panose="020B0606030504020204" pitchFamily="34" charset="0"/>
+                <a:cs typeface="Open Sans" panose="020B0606030504020204" pitchFamily="34" charset="0"/>
+              </a:rPr>
+              <a:t>What happens with a </a:t>
+            </a:r>
+            <a:r>
+              <a:rPr lang="en-US" i="1" dirty="0" smtClean="0">
+                <a:latin typeface="Open Sans" panose="020B0606030504020204" pitchFamily="34" charset="0"/>
+                <a:ea typeface="Open Sans" panose="020B0606030504020204" pitchFamily="34" charset="0"/>
+                <a:cs typeface="Open Sans" panose="020B0606030504020204" pitchFamily="34" charset="0"/>
+              </a:rPr>
+              <a:t>multipoint</a:t>
+            </a:r>
+            <a:r>
+              <a:rPr lang="en-US" dirty="0" smtClean="0">
+                <a:latin typeface="Open Sans" panose="020B0606030504020204" pitchFamily="34" charset="0"/>
+                <a:ea typeface="Open Sans" panose="020B0606030504020204" pitchFamily="34" charset="0"/>
+                <a:cs typeface="Open Sans" panose="020B0606030504020204" pitchFamily="34" charset="0"/>
+              </a:rPr>
+              <a:t> </a:t>
+            </a:r>
+            <a:r>
+              <a:rPr lang="en-US" dirty="0">
+                <a:latin typeface="Open Sans" panose="020B0606030504020204" pitchFamily="34" charset="0"/>
+                <a:ea typeface="Open Sans" panose="020B0606030504020204" pitchFamily="34" charset="0"/>
+                <a:cs typeface="Open Sans" panose="020B0606030504020204" pitchFamily="34" charset="0"/>
+              </a:rPr>
+              <a:t>on a raster</a:t>
+            </a:r>
+            <a:r>
+              <a:rPr lang="en-US" dirty="0" smtClean="0">
+                <a:latin typeface="Open Sans" panose="020B0606030504020204" pitchFamily="34" charset="0"/>
+                <a:ea typeface="Open Sans" panose="020B0606030504020204" pitchFamily="34" charset="0"/>
+                <a:cs typeface="Open Sans" panose="020B0606030504020204" pitchFamily="34" charset="0"/>
+              </a:rPr>
+              <a:t>?</a:t>
+            </a:r>
+          </a:p>
+          <a:p>
+            <a:pPr lvl="1"/>
+            <a:r>
+              <a:rPr lang="en-US" b="1" dirty="0" smtClean="0">
+                <a:latin typeface="Open Sans" panose="020B0606030504020204" pitchFamily="34" charset="0"/>
+                <a:ea typeface="Open Sans" panose="020B0606030504020204" pitchFamily="34" charset="0"/>
+                <a:cs typeface="Open Sans" panose="020B0606030504020204" pitchFamily="34" charset="0"/>
+              </a:rPr>
+              <a:t>Single pixel value</a:t>
+            </a:r>
+            <a:endParaRPr lang="en-US" b="1" dirty="0">
+              <a:latin typeface="Open Sans" panose="020B0606030504020204" pitchFamily="34" charset="0"/>
+              <a:ea typeface="Open Sans" panose="020B0606030504020204" pitchFamily="34" charset="0"/>
+              <a:cs typeface="Open Sans" panose="020B0606030504020204" pitchFamily="34" charset="0"/>
+            </a:endParaRPr>
+          </a:p>
+        </p:txBody>
+      </p:sp>
+    </p:spTree>
+    <p:extLst>
+      <p:ext uri="{BB962C8B-B14F-4D97-AF65-F5344CB8AC3E}">
+        <p14:creationId xmlns:p14="http://schemas.microsoft.com/office/powerpoint/2010/main" val="3431224860"/>
       </p:ext>
     </p:extLst>
   </p:cSld>

--- a/dev/lightning.pptx
+++ b/dev/lightning.pptx
@@ -10,8 +10,8 @@
     <p:sldId id="259" r:id="rId4"/>
     <p:sldId id="261" r:id="rId5"/>
     <p:sldId id="260" r:id="rId6"/>
-    <p:sldId id="262" r:id="rId7"/>
-    <p:sldId id="263" r:id="rId8"/>
+    <p:sldId id="295" r:id="rId7"/>
+    <p:sldId id="296" r:id="rId8"/>
     <p:sldId id="264" r:id="rId9"/>
     <p:sldId id="265" r:id="rId10"/>
     <p:sldId id="268" r:id="rId11"/>
@@ -4043,7 +4043,7 @@
                 <a:ea typeface="Open Sans" panose="020B0606030504020204" pitchFamily="34" charset="0"/>
                 <a:cs typeface="Open Sans" panose="020B0606030504020204" pitchFamily="34" charset="0"/>
               </a:rPr>
-              <a:t>Pass in geometry of query in a given extent</a:t>
+              <a:t>Pass in geometry of query over a given extent</a:t>
             </a:r>
           </a:p>
           <a:p>
@@ -4093,12 +4093,28 @@
               <a:t> </a:t>
             </a:r>
             <a:r>
+              <a:rPr lang="en-US" i="1" dirty="0" smtClean="0">
+                <a:latin typeface="Open Sans" panose="020B0606030504020204" pitchFamily="34" charset="0"/>
+                <a:ea typeface="Open Sans" panose="020B0606030504020204" pitchFamily="34" charset="0"/>
+                <a:cs typeface="Open Sans" panose="020B0606030504020204" pitchFamily="34" charset="0"/>
+              </a:rPr>
+              <a:t>or line </a:t>
+            </a:r>
+            <a:r>
+              <a:rPr lang="en-US" dirty="0" smtClean="0">
+                <a:latin typeface="Open Sans" panose="020B0606030504020204" pitchFamily="34" charset="0"/>
+                <a:ea typeface="Open Sans" panose="020B0606030504020204" pitchFamily="34" charset="0"/>
+                <a:cs typeface="Open Sans" panose="020B0606030504020204" pitchFamily="34" charset="0"/>
+              </a:rPr>
+              <a:t>on </a:t>
+            </a:r>
+            <a:r>
               <a:rPr lang="en-US" dirty="0">
                 <a:latin typeface="Open Sans" panose="020B0606030504020204" pitchFamily="34" charset="0"/>
                 <a:ea typeface="Open Sans" panose="020B0606030504020204" pitchFamily="34" charset="0"/>
                 <a:cs typeface="Open Sans" panose="020B0606030504020204" pitchFamily="34" charset="0"/>
               </a:rPr>
-              <a:t>on a raster</a:t>
+              <a:t>a raster</a:t>
             </a:r>
             <a:r>
               <a:rPr lang="en-US" dirty="0" smtClean="0">
@@ -4127,7 +4143,7 @@
                 <a:ea typeface="Open Sans" panose="020B0606030504020204" pitchFamily="34" charset="0"/>
                 <a:cs typeface="Open Sans" panose="020B0606030504020204" pitchFamily="34" charset="0"/>
               </a:rPr>
-              <a:t>We need an identify for every point</a:t>
+              <a:t>We need an identify for every raster cell</a:t>
             </a:r>
             <a:endParaRPr lang="en-US" dirty="0">
               <a:latin typeface="Open Sans" panose="020B0606030504020204" pitchFamily="34" charset="0"/>
@@ -4449,7 +4465,7 @@
                 <a:ea typeface="Open Sans" panose="020B0606030504020204" pitchFamily="34" charset="0"/>
                 <a:cs typeface="Open Sans" panose="020B0606030504020204" pitchFamily="34" charset="0"/>
               </a:rPr>
-              <a:t>Many requests, all at once</a:t>
+              <a:t>Hundreds of requests, all at once</a:t>
             </a:r>
           </a:p>
           <a:p>
@@ -4499,7 +4515,7 @@
                 <a:ea typeface="Open Sans" panose="020B0606030504020204" pitchFamily="34" charset="0"/>
                 <a:cs typeface="Open Sans" panose="020B0606030504020204" pitchFamily="34" charset="0"/>
               </a:rPr>
-              <a:t>4 seconds for a profile, on a connection</a:t>
+              <a:t>4 seconds for a profile, on a strong connection</a:t>
             </a:r>
           </a:p>
           <a:p>
@@ -5631,7 +5647,7 @@
                 <a:ea typeface="Open Sans" panose="020B0606030504020204" pitchFamily="34" charset="0"/>
                 <a:cs typeface="Open Sans" panose="020B0606030504020204" pitchFamily="34" charset="0"/>
               </a:rPr>
-              <a:t>13545324.217514684%2C4611867.454746921%2C-13543685.598720958%2C4612972.208671261</a:t>
+              <a:t>13545324.217514684</a:t>
             </a:r>
             <a:r>
               <a:rPr lang="en-US" dirty="0">
@@ -5639,6 +5655,54 @@
                 <a:ea typeface="Open Sans" panose="020B0606030504020204" pitchFamily="34" charset="0"/>
                 <a:cs typeface="Open Sans" panose="020B0606030504020204" pitchFamily="34" charset="0"/>
               </a:rPr>
+              <a:t>%2C</a:t>
+            </a:r>
+            <a:r>
+              <a:rPr lang="en-US" b="1" dirty="0">
+                <a:latin typeface="Open Sans" panose="020B0606030504020204" pitchFamily="34" charset="0"/>
+                <a:ea typeface="Open Sans" panose="020B0606030504020204" pitchFamily="34" charset="0"/>
+                <a:cs typeface="Open Sans" panose="020B0606030504020204" pitchFamily="34" charset="0"/>
+              </a:rPr>
+              <a:t>4611867.454746921</a:t>
+            </a:r>
+            <a:r>
+              <a:rPr lang="en-US" dirty="0">
+                <a:latin typeface="Open Sans" panose="020B0606030504020204" pitchFamily="34" charset="0"/>
+                <a:ea typeface="Open Sans" panose="020B0606030504020204" pitchFamily="34" charset="0"/>
+                <a:cs typeface="Open Sans" panose="020B0606030504020204" pitchFamily="34" charset="0"/>
+              </a:rPr>
+              <a:t>%2C</a:t>
+            </a:r>
+            <a:r>
+              <a:rPr lang="en-US" b="1" dirty="0">
+                <a:latin typeface="Open Sans" panose="020B0606030504020204" pitchFamily="34" charset="0"/>
+                <a:ea typeface="Open Sans" panose="020B0606030504020204" pitchFamily="34" charset="0"/>
+                <a:cs typeface="Open Sans" panose="020B0606030504020204" pitchFamily="34" charset="0"/>
+              </a:rPr>
+              <a:t>-13543685.598720958</a:t>
+            </a:r>
+            <a:r>
+              <a:rPr lang="en-US" dirty="0">
+                <a:latin typeface="Open Sans" panose="020B0606030504020204" pitchFamily="34" charset="0"/>
+                <a:ea typeface="Open Sans" panose="020B0606030504020204" pitchFamily="34" charset="0"/>
+                <a:cs typeface="Open Sans" panose="020B0606030504020204" pitchFamily="34" charset="0"/>
+              </a:rPr>
+              <a:t>%2C</a:t>
+            </a:r>
+            <a:r>
+              <a:rPr lang="en-US" b="1" dirty="0">
+                <a:latin typeface="Open Sans" panose="020B0606030504020204" pitchFamily="34" charset="0"/>
+                <a:ea typeface="Open Sans" panose="020B0606030504020204" pitchFamily="34" charset="0"/>
+                <a:cs typeface="Open Sans" panose="020B0606030504020204" pitchFamily="34" charset="0"/>
+              </a:rPr>
+              <a:t>4612972.208671261</a:t>
+            </a:r>
+            <a:r>
+              <a:rPr lang="en-US" dirty="0">
+                <a:latin typeface="Open Sans" panose="020B0606030504020204" pitchFamily="34" charset="0"/>
+                <a:ea typeface="Open Sans" panose="020B0606030504020204" pitchFamily="34" charset="0"/>
+                <a:cs typeface="Open Sans" panose="020B0606030504020204" pitchFamily="34" charset="0"/>
+              </a:rPr>
               <a:t>&amp;bboxSR=</a:t>
             </a:r>
             <a:r>
@@ -5663,7 +5727,23 @@
                 <a:ea typeface="Open Sans" panose="020B0606030504020204" pitchFamily="34" charset="0"/>
                 <a:cs typeface="Open Sans" panose="020B0606030504020204" pitchFamily="34" charset="0"/>
               </a:rPr>
-              <a:t>1372%2C925</a:t>
+              <a:t>1372</a:t>
+            </a:r>
+            <a:r>
+              <a:rPr lang="en-US" dirty="0">
+                <a:latin typeface="Open Sans" panose="020B0606030504020204" pitchFamily="34" charset="0"/>
+                <a:ea typeface="Open Sans" panose="020B0606030504020204" pitchFamily="34" charset="0"/>
+                <a:cs typeface="Open Sans" panose="020B0606030504020204" pitchFamily="34" charset="0"/>
+              </a:rPr>
+              <a:t>%2C</a:t>
+            </a:r>
+            <a:r>
+              <a:rPr lang="en-US" b="1" dirty="0">
+                <a:latin typeface="Open Sans" panose="020B0606030504020204" pitchFamily="34" charset="0"/>
+                <a:ea typeface="Open Sans" panose="020B0606030504020204" pitchFamily="34" charset="0"/>
+                <a:cs typeface="Open Sans" panose="020B0606030504020204" pitchFamily="34" charset="0"/>
+              </a:rPr>
+              <a:t>925</a:t>
             </a:r>
             <a:r>
               <a:rPr lang="en-US" dirty="0">
@@ -7144,6 +7224,13 @@
   <p:clrMapOvr>
     <a:masterClrMapping/>
   </p:clrMapOvr>
+  <p:timing>
+    <p:tnLst>
+      <p:par>
+        <p:cTn id="1" dur="indefinite" restart="never" nodeType="tmRoot"/>
+      </p:par>
+    </p:tnLst>
+  </p:timing>
 </p:sld>
 </file>
 
@@ -7495,7 +7582,7 @@
                 <a:ea typeface="Open Sans" panose="020B0606030504020204" pitchFamily="34" charset="0"/>
                 <a:cs typeface="Open Sans" panose="020B0606030504020204" pitchFamily="34" charset="0"/>
               </a:rPr>
-              <a:t>Pass in geometry of query in a given extent</a:t>
+              <a:t>Pass in geometry of query over a given extent</a:t>
             </a:r>
           </a:p>
           <a:p>
@@ -7505,20 +7592,15 @@
                 <a:ea typeface="Open Sans" panose="020B0606030504020204" pitchFamily="34" charset="0"/>
                 <a:cs typeface="Open Sans" panose="020B0606030504020204" pitchFamily="34" charset="0"/>
               </a:rPr>
-              <a:t>What happens with a raster?</a:t>
-            </a:r>
-            <a:endParaRPr lang="en-US" dirty="0">
-              <a:latin typeface="Open Sans" panose="020B0606030504020204" pitchFamily="34" charset="0"/>
-              <a:ea typeface="Open Sans" panose="020B0606030504020204" pitchFamily="34" charset="0"/>
-              <a:cs typeface="Open Sans" panose="020B0606030504020204" pitchFamily="34" charset="0"/>
-            </a:endParaRPr>
+              <a:t>What happens with a point on a raster?</a:t>
+            </a:r>
           </a:p>
         </p:txBody>
       </p:sp>
     </p:spTree>
     <p:extLst>
       <p:ext uri="{BB962C8B-B14F-4D97-AF65-F5344CB8AC3E}">
-        <p14:creationId xmlns:p14="http://schemas.microsoft.com/office/powerpoint/2010/main" val="2824894171"/>
+        <p14:creationId xmlns:p14="http://schemas.microsoft.com/office/powerpoint/2010/main" val="203559255"/>
       </p:ext>
     </p:extLst>
   </p:cSld>
@@ -7607,7 +7689,7 @@
                 <a:ea typeface="Open Sans" panose="020B0606030504020204" pitchFamily="34" charset="0"/>
                 <a:cs typeface="Open Sans" panose="020B0606030504020204" pitchFamily="34" charset="0"/>
               </a:rPr>
-              <a:t>Pass in geometry of query in a given extent</a:t>
+              <a:t>Pass in geometry of query over a given extent</a:t>
             </a:r>
           </a:p>
           <a:p>
@@ -7628,7 +7710,7 @@
                 <a:ea typeface="Open Sans" panose="020B0606030504020204" pitchFamily="34" charset="0"/>
                 <a:cs typeface="Open Sans" panose="020B0606030504020204" pitchFamily="34" charset="0"/>
               </a:rPr>
-              <a:t>Pixel value</a:t>
+              <a:t>Single pixel value</a:t>
             </a:r>
             <a:endParaRPr lang="en-US" dirty="0">
               <a:latin typeface="Open Sans" panose="020B0606030504020204" pitchFamily="34" charset="0"/>
@@ -7641,7 +7723,7 @@
     </p:spTree>
     <p:extLst>
       <p:ext uri="{BB962C8B-B14F-4D97-AF65-F5344CB8AC3E}">
-        <p14:creationId xmlns:p14="http://schemas.microsoft.com/office/powerpoint/2010/main" val="1971333945"/>
+        <p14:creationId xmlns:p14="http://schemas.microsoft.com/office/powerpoint/2010/main" val="506968230"/>
       </p:ext>
     </p:extLst>
   </p:cSld>
@@ -7730,7 +7812,7 @@
                 <a:ea typeface="Open Sans" panose="020B0606030504020204" pitchFamily="34" charset="0"/>
                 <a:cs typeface="Open Sans" panose="020B0606030504020204" pitchFamily="34" charset="0"/>
               </a:rPr>
-              <a:t>Pass in geometry of query in a given extent</a:t>
+              <a:t>Pass in geometry of query over a given extent</a:t>
             </a:r>
           </a:p>
           <a:p>
@@ -7751,7 +7833,7 @@
                 <a:ea typeface="Open Sans" panose="020B0606030504020204" pitchFamily="34" charset="0"/>
                 <a:cs typeface="Open Sans" panose="020B0606030504020204" pitchFamily="34" charset="0"/>
               </a:rPr>
-              <a:t>Pixel value</a:t>
+              <a:t>Single pixel value</a:t>
             </a:r>
           </a:p>
           <a:p>
@@ -7780,12 +7862,28 @@
               <a:t> </a:t>
             </a:r>
             <a:r>
+              <a:rPr lang="en-US" i="1" dirty="0" smtClean="0">
+                <a:latin typeface="Open Sans" panose="020B0606030504020204" pitchFamily="34" charset="0"/>
+                <a:ea typeface="Open Sans" panose="020B0606030504020204" pitchFamily="34" charset="0"/>
+                <a:cs typeface="Open Sans" panose="020B0606030504020204" pitchFamily="34" charset="0"/>
+              </a:rPr>
+              <a:t>or line </a:t>
+            </a:r>
+            <a:r>
+              <a:rPr lang="en-US" dirty="0" smtClean="0">
+                <a:latin typeface="Open Sans" panose="020B0606030504020204" pitchFamily="34" charset="0"/>
+                <a:ea typeface="Open Sans" panose="020B0606030504020204" pitchFamily="34" charset="0"/>
+                <a:cs typeface="Open Sans" panose="020B0606030504020204" pitchFamily="34" charset="0"/>
+              </a:rPr>
+              <a:t>on </a:t>
+            </a:r>
+            <a:r>
               <a:rPr lang="en-US" dirty="0">
                 <a:latin typeface="Open Sans" panose="020B0606030504020204" pitchFamily="34" charset="0"/>
                 <a:ea typeface="Open Sans" panose="020B0606030504020204" pitchFamily="34" charset="0"/>
                 <a:cs typeface="Open Sans" panose="020B0606030504020204" pitchFamily="34" charset="0"/>
               </a:rPr>
-              <a:t>on a raster</a:t>
+              <a:t>a raster</a:t>
             </a:r>
             <a:r>
               <a:rPr lang="en-US" dirty="0" smtClean="0">
@@ -7895,7 +7993,7 @@
                 <a:ea typeface="Open Sans" panose="020B0606030504020204" pitchFamily="34" charset="0"/>
                 <a:cs typeface="Open Sans" panose="020B0606030504020204" pitchFamily="34" charset="0"/>
               </a:rPr>
-              <a:t>Pass in geometry of query in a given extent</a:t>
+              <a:t>Pass in geometry of query over a given extent</a:t>
             </a:r>
           </a:p>
           <a:p>
@@ -7945,12 +8043,28 @@
               <a:t> </a:t>
             </a:r>
             <a:r>
+              <a:rPr lang="en-US" i="1" dirty="0" smtClean="0">
+                <a:latin typeface="Open Sans" panose="020B0606030504020204" pitchFamily="34" charset="0"/>
+                <a:ea typeface="Open Sans" panose="020B0606030504020204" pitchFamily="34" charset="0"/>
+                <a:cs typeface="Open Sans" panose="020B0606030504020204" pitchFamily="34" charset="0"/>
+              </a:rPr>
+              <a:t>or line </a:t>
+            </a:r>
+            <a:r>
+              <a:rPr lang="en-US" dirty="0" smtClean="0">
+                <a:latin typeface="Open Sans" panose="020B0606030504020204" pitchFamily="34" charset="0"/>
+                <a:ea typeface="Open Sans" panose="020B0606030504020204" pitchFamily="34" charset="0"/>
+                <a:cs typeface="Open Sans" panose="020B0606030504020204" pitchFamily="34" charset="0"/>
+              </a:rPr>
+              <a:t>on </a:t>
+            </a:r>
+            <a:r>
               <a:rPr lang="en-US" dirty="0">
                 <a:latin typeface="Open Sans" panose="020B0606030504020204" pitchFamily="34" charset="0"/>
                 <a:ea typeface="Open Sans" panose="020B0606030504020204" pitchFamily="34" charset="0"/>
                 <a:cs typeface="Open Sans" panose="020B0606030504020204" pitchFamily="34" charset="0"/>
               </a:rPr>
-              <a:t>on a raster</a:t>
+              <a:t>a raster</a:t>
             </a:r>
             <a:r>
               <a:rPr lang="en-US" dirty="0" smtClean="0">
